--- a/Healthcare Data Analysis- Presentation.pptx
+++ b/Healthcare Data Analysis- Presentation.pptx
@@ -5,20 +5,25 @@
     <p:sldMasterId id="2147483648" r:id="rId1"/>
   </p:sldMasterIdLst>
   <p:notesMasterIdLst>
-    <p:notesMasterId r:id="rId11"/>
+    <p:notesMasterId r:id="rId16"/>
   </p:notesMasterIdLst>
   <p:handoutMasterIdLst>
-    <p:handoutMasterId r:id="rId12"/>
+    <p:handoutMasterId r:id="rId17"/>
   </p:handoutMasterIdLst>
   <p:sldIdLst>
     <p:sldId id="256" r:id="rId3"/>
     <p:sldId id="257" r:id="rId4"/>
     <p:sldId id="258" r:id="rId5"/>
-    <p:sldId id="259" r:id="rId6"/>
-    <p:sldId id="260" r:id="rId7"/>
-    <p:sldId id="261" r:id="rId8"/>
-    <p:sldId id="262" r:id="rId9"/>
-    <p:sldId id="263" r:id="rId10"/>
+    <p:sldId id="264" r:id="rId6"/>
+    <p:sldId id="265" r:id="rId7"/>
+    <p:sldId id="259" r:id="rId8"/>
+    <p:sldId id="266" r:id="rId9"/>
+    <p:sldId id="260" r:id="rId10"/>
+    <p:sldId id="267" r:id="rId11"/>
+    <p:sldId id="261" r:id="rId12"/>
+    <p:sldId id="262" r:id="rId13"/>
+    <p:sldId id="268" r:id="rId14"/>
+    <p:sldId id="263" r:id="rId15"/>
   </p:sldIdLst>
   <p:sldSz cx="12192000" cy="6858000"/>
   <p:notesSz cx="7103745" cy="10234295"/>
@@ -4033,6 +4038,628 @@
 </p:sld>
 </file>
 
+<file path=ppt/slides/slide10.xml><?xml version="1.0" encoding="utf-8"?>
+<p:sld xmlns:a="http://schemas.openxmlformats.org/drawingml/2006/main" xmlns:r="http://schemas.openxmlformats.org/officeDocument/2006/relationships" xmlns:p="http://schemas.openxmlformats.org/presentationml/2006/main">
+  <p:cSld>
+    <p:spTree>
+      <p:nvGrpSpPr>
+        <p:cNvPr id="1" name=""/>
+        <p:cNvGrpSpPr/>
+        <p:nvPr/>
+      </p:nvGrpSpPr>
+      <p:grpSpPr/>
+      <p:sp>
+        <p:nvSpPr>
+          <p:cNvPr id="2" name="Title 1"/>
+          <p:cNvSpPr>
+            <a:spLocks noGrp="1"/>
+          </p:cNvSpPr>
+          <p:nvPr>
+            <p:ph type="title"/>
+          </p:nvPr>
+        </p:nvSpPr>
+        <p:spPr>
+          <a:xfrm>
+            <a:off x="647700" y="258445"/>
+            <a:ext cx="10515600" cy="1072515"/>
+          </a:xfrm>
+        </p:spPr>
+        <p:txBody>
+          <a:bodyPr/>
+          <a:p>
+            <a:r>
+              <a:rPr lang="en-US"/>
+              <a:t>Interactive Query Execution</a:t>
+            </a:r>
+            <a:endParaRPr lang="en-US"/>
+          </a:p>
+        </p:txBody>
+      </p:sp>
+      <p:sp>
+        <p:nvSpPr>
+          <p:cNvPr id="3" name="Content Placeholder 2"/>
+          <p:cNvSpPr>
+            <a:spLocks noGrp="1"/>
+          </p:cNvSpPr>
+          <p:nvPr>
+            <p:ph idx="1"/>
+          </p:nvPr>
+        </p:nvSpPr>
+        <p:spPr>
+          <a:xfrm>
+            <a:off x="647700" y="1252855"/>
+            <a:ext cx="10515600" cy="4351338"/>
+          </a:xfrm>
+        </p:spPr>
+        <p:txBody>
+          <a:bodyPr>
+            <a:noAutofit/>
+          </a:bodyPr>
+          <a:p>
+            <a:pPr marL="0" indent="0">
+              <a:buNone/>
+            </a:pPr>
+            <a:r>
+              <a:rPr lang="en-US" sz="1600" b="1"/>
+              <a:t>Functionality Overview:</a:t>
+            </a:r>
+            <a:endParaRPr lang="en-US" sz="1600" b="1"/>
+          </a:p>
+          <a:p>
+            <a:pPr>
+              <a:buFont typeface="Arial" panose="020B0604020202020204" pitchFamily="34" charset="0"/>
+              <a:buChar char="•"/>
+            </a:pPr>
+            <a:r>
+              <a:rPr lang="en-US" sz="1600"/>
+              <a:t>Allows users to interactively input and execute SQL queries on the connected MySQL database.</a:t>
+            </a:r>
+            <a:endParaRPr lang="en-US" sz="1600"/>
+          </a:p>
+          <a:p>
+            <a:pPr>
+              <a:buFont typeface="Arial" panose="020B0604020202020204" pitchFamily="34" charset="0"/>
+              <a:buChar char="•"/>
+            </a:pPr>
+            <a:r>
+              <a:rPr lang="en-US" sz="1600"/>
+              <a:t>Provides a flexible way to explore and retrieve data.</a:t>
+            </a:r>
+            <a:endParaRPr lang="en-US" sz="1600"/>
+          </a:p>
+          <a:p>
+            <a:pPr marL="0" indent="0">
+              <a:buNone/>
+            </a:pPr>
+            <a:r>
+              <a:rPr lang="en-US" sz="1600" b="1"/>
+              <a:t>Database Connection:</a:t>
+            </a:r>
+            <a:endParaRPr lang="en-US" sz="1600" b="1"/>
+          </a:p>
+          <a:p>
+            <a:pPr>
+              <a:buFont typeface="Arial" panose="020B0604020202020204" pitchFamily="34" charset="0"/>
+              <a:buChar char="•"/>
+            </a:pPr>
+            <a:r>
+              <a:rPr lang="en-US" sz="1600"/>
+              <a:t>Establishes a connection to the MySQL database using the mysql.connector library.</a:t>
+            </a:r>
+            <a:endParaRPr lang="en-US" sz="1600"/>
+          </a:p>
+          <a:p>
+            <a:pPr>
+              <a:buFont typeface="Arial" panose="020B0604020202020204" pitchFamily="34" charset="0"/>
+              <a:buChar char="•"/>
+            </a:pPr>
+            <a:r>
+              <a:rPr lang="en-US" sz="1600"/>
+              <a:t>User Input:</a:t>
+            </a:r>
+            <a:endParaRPr lang="en-US" sz="1600"/>
+          </a:p>
+          <a:p>
+            <a:pPr>
+              <a:buFont typeface="Arial" panose="020B0604020202020204" pitchFamily="34" charset="0"/>
+              <a:buChar char="•"/>
+            </a:pPr>
+            <a:r>
+              <a:rPr lang="en-US" sz="1600"/>
+              <a:t>Prompts the user to enter a SQL query they want to perform on the connected database.</a:t>
+            </a:r>
+            <a:endParaRPr lang="en-US" sz="1600"/>
+          </a:p>
+          <a:p>
+            <a:pPr marL="0" indent="0">
+              <a:buNone/>
+            </a:pPr>
+            <a:r>
+              <a:rPr lang="en-US" sz="1600" b="1"/>
+              <a:t>Query Execution:</a:t>
+            </a:r>
+            <a:endParaRPr lang="en-US" sz="1600" b="1"/>
+          </a:p>
+          <a:p>
+            <a:pPr>
+              <a:buFont typeface="Arial" panose="020B0604020202020204" pitchFamily="34" charset="0"/>
+              <a:buChar char="•"/>
+            </a:pPr>
+            <a:r>
+              <a:rPr lang="en-US" sz="1600"/>
+              <a:t>Executes the provided SQL query using the database cursor.</a:t>
+            </a:r>
+            <a:endParaRPr lang="en-US" sz="1600"/>
+          </a:p>
+          <a:p>
+            <a:pPr marL="0" indent="0">
+              <a:buNone/>
+            </a:pPr>
+            <a:r>
+              <a:rPr lang="en-US" sz="1600" b="1"/>
+              <a:t>Fetching and Printing Rows:</a:t>
+            </a:r>
+            <a:endParaRPr lang="en-US" sz="1600" b="1"/>
+          </a:p>
+          <a:p>
+            <a:pPr>
+              <a:buFont typeface="Arial" panose="020B0604020202020204" pitchFamily="34" charset="0"/>
+              <a:buChar char="•"/>
+            </a:pPr>
+            <a:r>
+              <a:rPr lang="en-US" sz="1600"/>
+              <a:t>Fetches all rows resulting from the query execution.</a:t>
+            </a:r>
+            <a:endParaRPr lang="en-US" sz="1600"/>
+          </a:p>
+          <a:p>
+            <a:pPr>
+              <a:buFont typeface="Arial" panose="020B0604020202020204" pitchFamily="34" charset="0"/>
+              <a:buChar char="•"/>
+            </a:pPr>
+            <a:r>
+              <a:rPr lang="en-US" sz="1600"/>
+              <a:t>Prints each row to the console.</a:t>
+            </a:r>
+            <a:endParaRPr lang="en-US" sz="1600"/>
+          </a:p>
+          <a:p>
+            <a:pPr marL="0" indent="0">
+              <a:buNone/>
+            </a:pPr>
+            <a:r>
+              <a:rPr lang="en-US" sz="1600" b="1"/>
+              <a:t>Error Handling:</a:t>
+            </a:r>
+            <a:endParaRPr lang="en-US" sz="1600" b="1"/>
+          </a:p>
+          <a:p>
+            <a:pPr>
+              <a:buFont typeface="Arial" panose="020B0604020202020204" pitchFamily="34" charset="0"/>
+              <a:buChar char="•"/>
+            </a:pPr>
+            <a:r>
+              <a:rPr lang="en-US" sz="1600"/>
+              <a:t>Prints an error message if any error occurs during the process.</a:t>
+            </a:r>
+            <a:endParaRPr lang="en-US" sz="1600"/>
+          </a:p>
+          <a:p>
+            <a:pPr marL="0" indent="0">
+              <a:buNone/>
+            </a:pPr>
+            <a:r>
+              <a:rPr lang="en-US" sz="1600" b="1"/>
+              <a:t>Connection Closure:</a:t>
+            </a:r>
+            <a:endParaRPr lang="en-US" sz="1600" b="1"/>
+          </a:p>
+          <a:p>
+            <a:r>
+              <a:rPr lang="en-US" sz="1600"/>
+              <a:t>Finally, closes the cursor and the database connection.</a:t>
+            </a:r>
+            <a:endParaRPr lang="en-US" sz="1600"/>
+          </a:p>
+        </p:txBody>
+      </p:sp>
+    </p:spTree>
+  </p:cSld>
+  <p:clrMapOvr>
+    <a:masterClrMapping/>
+  </p:clrMapOvr>
+</p:sld>
+</file>
+
+<file path=ppt/slides/slide11.xml><?xml version="1.0" encoding="utf-8"?>
+<p:sld xmlns:a="http://schemas.openxmlformats.org/drawingml/2006/main" xmlns:r="http://schemas.openxmlformats.org/officeDocument/2006/relationships" xmlns:p="http://schemas.openxmlformats.org/presentationml/2006/main">
+  <p:cSld>
+    <p:spTree>
+      <p:nvGrpSpPr>
+        <p:cNvPr id="1" name=""/>
+        <p:cNvGrpSpPr/>
+        <p:nvPr/>
+      </p:nvGrpSpPr>
+      <p:grpSpPr/>
+      <p:sp>
+        <p:nvSpPr>
+          <p:cNvPr id="2" name="Title 1"/>
+          <p:cNvSpPr>
+            <a:spLocks noGrp="1"/>
+          </p:cNvSpPr>
+          <p:nvPr>
+            <p:ph type="title"/>
+          </p:nvPr>
+        </p:nvSpPr>
+        <p:spPr>
+          <a:xfrm>
+            <a:off x="647700" y="0"/>
+            <a:ext cx="10515600" cy="1325563"/>
+          </a:xfrm>
+        </p:spPr>
+        <p:txBody>
+          <a:bodyPr/>
+          <a:p>
+            <a:r>
+              <a:rPr lang="en-US"/>
+              <a:t>Conclusion</a:t>
+            </a:r>
+            <a:endParaRPr lang="en-US"/>
+          </a:p>
+        </p:txBody>
+      </p:sp>
+      <p:sp>
+        <p:nvSpPr>
+          <p:cNvPr id="3" name="Content Placeholder 2"/>
+          <p:cNvSpPr>
+            <a:spLocks noGrp="1"/>
+          </p:cNvSpPr>
+          <p:nvPr>
+            <p:ph idx="1"/>
+          </p:nvPr>
+        </p:nvSpPr>
+        <p:spPr>
+          <a:xfrm>
+            <a:off x="647700" y="1108075"/>
+            <a:ext cx="10515600" cy="4351338"/>
+          </a:xfrm>
+        </p:spPr>
+        <p:txBody>
+          <a:bodyPr>
+            <a:noAutofit/>
+          </a:bodyPr>
+          <a:p>
+            <a:pPr marL="0" indent="0">
+              <a:buNone/>
+            </a:pPr>
+            <a:r>
+              <a:rPr lang="en-US" sz="2400" b="1">
+                <a:sym typeface="+mn-ea"/>
+              </a:rPr>
+              <a:t>User Interaction:</a:t>
+            </a:r>
+            <a:endParaRPr lang="en-US" sz="2400" b="1"/>
+          </a:p>
+          <a:p>
+            <a:pPr marL="0" indent="0">
+              <a:buNone/>
+            </a:pPr>
+            <a:r>
+              <a:rPr lang="en-US" sz="2400">
+                <a:sym typeface="+mn-ea"/>
+              </a:rPr>
+              <a:t>Enables users to perform user-defined SELECT queries interactively.</a:t>
+            </a:r>
+            <a:endParaRPr lang="en-US" sz="2400"/>
+          </a:p>
+          <a:p>
+            <a:pPr marL="0" indent="0">
+              <a:buNone/>
+            </a:pPr>
+            <a:r>
+              <a:rPr lang="en-US" sz="2400">
+                <a:sym typeface="+mn-ea"/>
+              </a:rPr>
+              <a:t>Enhances flexibility in retrieving specific information from the populated tables.</a:t>
+            </a:r>
+            <a:endParaRPr lang="en-US" sz="2400"/>
+          </a:p>
+          <a:p>
+            <a:pPr marL="0" indent="0">
+              <a:buNone/>
+            </a:pPr>
+            <a:r>
+              <a:rPr lang="en-US" sz="2400" b="1">
+                <a:sym typeface="+mn-ea"/>
+              </a:rPr>
+              <a:t>Future Development:</a:t>
+            </a:r>
+            <a:endParaRPr lang="en-US" sz="2400" b="1"/>
+          </a:p>
+          <a:p>
+            <a:pPr marL="0" indent="0">
+              <a:buNone/>
+            </a:pPr>
+            <a:r>
+              <a:rPr lang="en-US" sz="2400">
+                <a:sym typeface="+mn-ea"/>
+              </a:rPr>
+              <a:t>Lays the foundation for further development and analysis in the realm of healthcare data.</a:t>
+            </a:r>
+            <a:endParaRPr lang="en-US" sz="2400"/>
+          </a:p>
+          <a:p>
+            <a:pPr marL="0" indent="0">
+              <a:buNone/>
+            </a:pPr>
+            <a:r>
+              <a:rPr lang="en-US" sz="2400">
+                <a:sym typeface="+mn-ea"/>
+              </a:rPr>
+              <a:t>Potential for expanding functionalities, integrating additional datasets, and supporting more complex queries.</a:t>
+            </a:r>
+            <a:endParaRPr lang="en-US" sz="2400"/>
+          </a:p>
+          <a:p>
+            <a:pPr marL="0" indent="0">
+              <a:buNone/>
+            </a:pPr>
+            <a:r>
+              <a:rPr lang="en-US" sz="2400" b="1">
+                <a:sym typeface="+mn-ea"/>
+              </a:rPr>
+              <a:t>Overall Impact:</a:t>
+            </a:r>
+            <a:endParaRPr lang="en-US" sz="2400" b="1"/>
+          </a:p>
+          <a:p>
+            <a:pPr marL="0" indent="0">
+              <a:buNone/>
+            </a:pPr>
+            <a:r>
+              <a:rPr lang="en-US" sz="2400">
+                <a:sym typeface="+mn-ea"/>
+              </a:rPr>
+              <a:t>Combines data management, database creation, and user interaction to create a robust foundation.</a:t>
+            </a:r>
+            <a:endParaRPr lang="en-US" sz="2400"/>
+          </a:p>
+          <a:p>
+            <a:pPr marL="0" indent="0">
+              <a:buNone/>
+            </a:pPr>
+            <a:r>
+              <a:rPr lang="en-US" sz="2400">
+                <a:sym typeface="+mn-ea"/>
+              </a:rPr>
+              <a:t>Contributes to the efficient handling and analysis of healthcare workforce data.</a:t>
+            </a:r>
+            <a:endParaRPr lang="en-US" sz="2400"/>
+          </a:p>
+        </p:txBody>
+      </p:sp>
+    </p:spTree>
+  </p:cSld>
+  <p:clrMapOvr>
+    <a:masterClrMapping/>
+  </p:clrMapOvr>
+</p:sld>
+</file>
+
+<file path=ppt/slides/slide12.xml><?xml version="1.0" encoding="utf-8"?>
+<p:sld xmlns:a="http://schemas.openxmlformats.org/drawingml/2006/main" xmlns:r="http://schemas.openxmlformats.org/officeDocument/2006/relationships" xmlns:p="http://schemas.openxmlformats.org/presentationml/2006/main">
+  <p:cSld>
+    <p:spTree>
+      <p:nvGrpSpPr>
+        <p:cNvPr id="1" name=""/>
+        <p:cNvGrpSpPr/>
+        <p:nvPr/>
+      </p:nvGrpSpPr>
+      <p:grpSpPr/>
+      <p:sp>
+        <p:nvSpPr>
+          <p:cNvPr id="2" name="Title 1"/>
+          <p:cNvSpPr>
+            <a:spLocks noGrp="1"/>
+          </p:cNvSpPr>
+          <p:nvPr>
+            <p:ph type="title"/>
+          </p:nvPr>
+        </p:nvSpPr>
+        <p:spPr/>
+        <p:txBody>
+          <a:bodyPr/>
+          <a:p>
+            <a:r>
+              <a:rPr lang="en-US"/>
+              <a:t>Query the Database</a:t>
+            </a:r>
+            <a:endParaRPr lang="en-US"/>
+          </a:p>
+        </p:txBody>
+      </p:sp>
+      <p:pic>
+        <p:nvPicPr>
+          <p:cNvPr id="4" name="Content Placeholder 3"/>
+          <p:cNvPicPr>
+            <a:picLocks noChangeAspect="1"/>
+          </p:cNvPicPr>
+          <p:nvPr>
+            <p:ph idx="1"/>
+          </p:nvPr>
+        </p:nvPicPr>
+        <p:blipFill>
+          <a:blip r:embed="rId1"/>
+          <a:stretch>
+            <a:fillRect/>
+          </a:stretch>
+        </p:blipFill>
+        <p:spPr>
+          <a:xfrm>
+            <a:off x="1115060" y="1174750"/>
+            <a:ext cx="9382760" cy="4953000"/>
+          </a:xfrm>
+          <a:prstGeom prst="rect">
+            <a:avLst/>
+          </a:prstGeom>
+        </p:spPr>
+      </p:pic>
+    </p:spTree>
+  </p:cSld>
+  <p:clrMapOvr>
+    <a:masterClrMapping/>
+  </p:clrMapOvr>
+</p:sld>
+</file>
+
+<file path=ppt/slides/slide13.xml><?xml version="1.0" encoding="utf-8"?>
+<p:sld xmlns:a="http://schemas.openxmlformats.org/drawingml/2006/main" xmlns:r="http://schemas.openxmlformats.org/officeDocument/2006/relationships" xmlns:p="http://schemas.openxmlformats.org/presentationml/2006/main">
+  <p:cSld>
+    <p:spTree>
+      <p:nvGrpSpPr>
+        <p:cNvPr id="1" name=""/>
+        <p:cNvGrpSpPr/>
+        <p:nvPr/>
+      </p:nvGrpSpPr>
+      <p:grpSpPr/>
+      <p:sp>
+        <p:nvSpPr>
+          <p:cNvPr id="2" name="Title 1"/>
+          <p:cNvSpPr>
+            <a:spLocks noGrp="1"/>
+          </p:cNvSpPr>
+          <p:nvPr>
+            <p:ph type="title"/>
+          </p:nvPr>
+        </p:nvSpPr>
+        <p:spPr/>
+        <p:txBody>
+          <a:bodyPr/>
+          <a:p>
+            <a:r>
+              <a:rPr lang="en-US"/>
+              <a:t>Conclusion</a:t>
+            </a:r>
+            <a:endParaRPr lang="en-US"/>
+          </a:p>
+        </p:txBody>
+      </p:sp>
+      <p:sp>
+        <p:nvSpPr>
+          <p:cNvPr id="3" name="Content Placeholder 2"/>
+          <p:cNvSpPr>
+            <a:spLocks noGrp="1"/>
+          </p:cNvSpPr>
+          <p:nvPr>
+            <p:ph idx="1"/>
+          </p:nvPr>
+        </p:nvSpPr>
+        <p:spPr>
+          <a:xfrm>
+            <a:off x="647700" y="1253490"/>
+            <a:ext cx="10515600" cy="4351338"/>
+          </a:xfrm>
+        </p:spPr>
+        <p:txBody>
+          <a:bodyPr>
+            <a:noAutofit/>
+          </a:bodyPr>
+          <a:p>
+            <a:pPr marL="0" indent="0">
+              <a:buNone/>
+            </a:pPr>
+            <a:r>
+              <a:rPr lang="en-US" sz="2400" b="1"/>
+              <a:t>Project Highlights:</a:t>
+            </a:r>
+            <a:endParaRPr lang="en-US" sz="2400" b="1"/>
+          </a:p>
+          <a:p>
+            <a:pPr marL="0" indent="0">
+              <a:buNone/>
+            </a:pPr>
+            <a:r>
+              <a:rPr lang="en-US" sz="2400"/>
+              <a:t>Successfully leverages Python and MySQL to initialize and populate a database with four tables.</a:t>
+            </a:r>
+            <a:endParaRPr lang="en-US" sz="2400"/>
+          </a:p>
+          <a:p>
+            <a:pPr marL="0" indent="0">
+              <a:buNone/>
+            </a:pPr>
+            <a:r>
+              <a:rPr lang="en-US" sz="2400"/>
+              <a:t>Utilizes the pandas library for efficient dataset handling.</a:t>
+            </a:r>
+            <a:endParaRPr lang="en-US" sz="2400"/>
+          </a:p>
+          <a:p>
+            <a:pPr marL="0" indent="0">
+              <a:buNone/>
+            </a:pPr>
+            <a:r>
+              <a:rPr lang="en-US" sz="2400"/>
+              <a:t>Dynamically generates SQL queries for table creation and data insertion.</a:t>
+            </a:r>
+            <a:endParaRPr lang="en-US" sz="2400"/>
+          </a:p>
+          <a:p>
+            <a:pPr marL="0" indent="0">
+              <a:buNone/>
+            </a:pPr>
+            <a:r>
+              <a:rPr lang="en-US" sz="2400"/>
+              <a:t>Ensures proper error handling and connection closure.</a:t>
+            </a:r>
+            <a:endParaRPr lang="en-US" sz="2400"/>
+          </a:p>
+          <a:p>
+            <a:pPr marL="0" indent="0">
+              <a:buNone/>
+            </a:pPr>
+            <a:r>
+              <a:rPr lang="en-US" sz="2400" b="1"/>
+              <a:t>Structured Database:</a:t>
+            </a:r>
+            <a:endParaRPr lang="en-US" sz="2400" b="1"/>
+          </a:p>
+          <a:p>
+            <a:pPr marL="0" indent="0">
+              <a:buNone/>
+            </a:pPr>
+            <a:r>
+              <a:rPr lang="en-US" sz="2400"/>
+              <a:t>Four tables: hpsa_primary_care, hpsa_mental_health, hpsa_dental_health, and hpsa_mua.</a:t>
+            </a:r>
+            <a:endParaRPr lang="en-US" sz="2400"/>
+          </a:p>
+          <a:p>
+            <a:pPr marL="0" indent="0">
+              <a:buNone/>
+            </a:pPr>
+            <a:r>
+              <a:rPr lang="en-US" sz="2400"/>
+              <a:t>Organized data on healthcare provider shortage areas, mental health designations, dental health designations, and medically underserved areas.</a:t>
+            </a:r>
+            <a:endParaRPr lang="en-US" sz="2400"/>
+          </a:p>
+          <a:p>
+            <a:pPr marL="0" indent="0">
+              <a:buNone/>
+            </a:pPr>
+            <a:endParaRPr lang="en-US" sz="2400"/>
+          </a:p>
+        </p:txBody>
+      </p:sp>
+    </p:spTree>
+  </p:cSld>
+  <p:clrMapOvr>
+    <a:masterClrMapping/>
+  </p:clrMapOvr>
+</p:sld>
+</file>
+
 <file path=ppt/slides/slide2.xml><?xml version="1.0" encoding="utf-8"?>
 <p:sld xmlns:a="http://schemas.openxmlformats.org/drawingml/2006/main" xmlns:r="http://schemas.openxmlformats.org/officeDocument/2006/relationships" xmlns:p="http://schemas.openxmlformats.org/presentationml/2006/main">
   <p:cSld>
@@ -4427,348 +5054,38 @@
           <a:p>
             <a:r>
               <a:rPr lang="en-US"/>
-              <a:t>Stored Procedures &amp; Queries</a:t>
+              <a:t>Access Data Homepage</a:t>
             </a:r>
             <a:endParaRPr lang="en-US"/>
           </a:p>
         </p:txBody>
       </p:sp>
-      <p:sp>
-        <p:nvSpPr>
-          <p:cNvPr id="3" name="Content Placeholder 2"/>
-          <p:cNvSpPr>
-            <a:spLocks noGrp="1"/>
-          </p:cNvSpPr>
+      <p:pic>
+        <p:nvPicPr>
+          <p:cNvPr id="4" name="Content Placeholder 3"/>
+          <p:cNvPicPr>
+            <a:picLocks noChangeAspect="1"/>
+          </p:cNvPicPr>
           <p:nvPr>
             <p:ph idx="1"/>
           </p:nvPr>
-        </p:nvSpPr>
+        </p:nvPicPr>
+        <p:blipFill>
+          <a:blip r:embed="rId1"/>
+          <a:stretch>
+            <a:fillRect/>
+          </a:stretch>
+        </p:blipFill>
         <p:spPr>
           <a:xfrm>
-            <a:off x="466725" y="1253490"/>
-            <a:ext cx="4818380" cy="5185410"/>
-          </a:xfrm>
-        </p:spPr>
-        <p:txBody>
-          <a:bodyPr/>
-          <a:p>
-            <a:pPr marL="0" indent="0" algn="just">
-              <a:buNone/>
-            </a:pPr>
-            <a:r>
-              <a:rPr lang="en-US" sz="2000" b="1">
-                <a:latin typeface="Times New Roman" panose="02020603050405020304" charset="0"/>
-                <a:cs typeface="Times New Roman" panose="02020603050405020304" charset="0"/>
-              </a:rPr>
-              <a:t>Stored Procedures:</a:t>
-            </a:r>
-            <a:endParaRPr lang="en-US" sz="2000" b="1">
-              <a:latin typeface="Times New Roman" panose="02020603050405020304" charset="0"/>
-              <a:cs typeface="Times New Roman" panose="02020603050405020304" charset="0"/>
-            </a:endParaRPr>
-          </a:p>
-          <a:p>
-            <a:pPr marL="0" indent="0" algn="just">
-              <a:buNone/>
-            </a:pPr>
-            <a:r>
-              <a:rPr lang="en-US" sz="2000" b="1">
-                <a:latin typeface="Times New Roman" panose="02020603050405020304" charset="0"/>
-                <a:cs typeface="Times New Roman" panose="02020603050405020304" charset="0"/>
-              </a:rPr>
-              <a:t>usp_GetAverageScoreByMUAStatus:</a:t>
-            </a:r>
-            <a:endParaRPr lang="en-US" sz="2000" b="1">
-              <a:latin typeface="Times New Roman" panose="02020603050405020304" charset="0"/>
-              <a:cs typeface="Times New Roman" panose="02020603050405020304" charset="0"/>
-            </a:endParaRPr>
-          </a:p>
-          <a:p>
-            <a:pPr marL="0" indent="0" algn="just">
-              <a:buNone/>
-            </a:pPr>
-            <a:r>
-              <a:rPr lang="en-US" sz="2000">
-                <a:latin typeface="Times New Roman" panose="02020603050405020304" charset="0"/>
-                <a:cs typeface="Times New Roman" panose="02020603050405020304" charset="0"/>
-              </a:rPr>
-              <a:t>Calculates and returns the average MUA score for each MUA status.</a:t>
-            </a:r>
-            <a:endParaRPr lang="en-US" sz="2000">
-              <a:latin typeface="Times New Roman" panose="02020603050405020304" charset="0"/>
-              <a:cs typeface="Times New Roman" panose="02020603050405020304" charset="0"/>
-            </a:endParaRPr>
-          </a:p>
-          <a:p>
-            <a:pPr marL="0" indent="0" algn="just">
-              <a:buNone/>
-            </a:pPr>
-            <a:r>
-              <a:rPr lang="en-US" sz="2000">
-                <a:latin typeface="Times New Roman" panose="02020603050405020304" charset="0"/>
-                <a:cs typeface="Times New Roman" panose="02020603050405020304" charset="0"/>
-              </a:rPr>
-              <a:t>Usage: Provides an overview of average MUA scores based on different MUA statuses, aiding in identifying trends and disparities.</a:t>
-            </a:r>
-            <a:endParaRPr lang="en-US" sz="2000">
-              <a:latin typeface="Times New Roman" panose="02020603050405020304" charset="0"/>
-              <a:cs typeface="Times New Roman" panose="02020603050405020304" charset="0"/>
-            </a:endParaRPr>
-          </a:p>
-          <a:p>
-            <a:pPr marL="0" indent="0" algn="just">
-              <a:buNone/>
-            </a:pPr>
-            <a:r>
-              <a:rPr lang="en-US" sz="2000" b="1">
-                <a:latin typeface="Times New Roman" panose="02020603050405020304" charset="0"/>
-                <a:cs typeface="Times New Roman" panose="02020603050405020304" charset="0"/>
-              </a:rPr>
-              <a:t>usp_GetHPSAByStateAndType:</a:t>
-            </a:r>
-            <a:endParaRPr lang="en-US" sz="2000" b="1">
-              <a:latin typeface="Times New Roman" panose="02020603050405020304" charset="0"/>
-              <a:cs typeface="Times New Roman" panose="02020603050405020304" charset="0"/>
-            </a:endParaRPr>
-          </a:p>
-          <a:p>
-            <a:pPr marL="0" indent="0" algn="just">
-              <a:buNone/>
-            </a:pPr>
-            <a:r>
-              <a:rPr lang="en-US" sz="2000">
-                <a:latin typeface="Times New Roman" panose="02020603050405020304" charset="0"/>
-                <a:cs typeface="Times New Roman" panose="02020603050405020304" charset="0"/>
-              </a:rPr>
-              <a:t>Retrieves HPSAs based on the provided state abbreviation and type code.</a:t>
-            </a:r>
-            <a:endParaRPr lang="en-US" sz="2000">
-              <a:latin typeface="Times New Roman" panose="02020603050405020304" charset="0"/>
-              <a:cs typeface="Times New Roman" panose="02020603050405020304" charset="0"/>
-            </a:endParaRPr>
-          </a:p>
-          <a:p>
-            <a:pPr marL="0" indent="0" algn="just">
-              <a:buNone/>
-            </a:pPr>
-            <a:r>
-              <a:rPr lang="en-US" sz="2000">
-                <a:latin typeface="Times New Roman" panose="02020603050405020304" charset="0"/>
-                <a:cs typeface="Times New Roman" panose="02020603050405020304" charset="0"/>
-              </a:rPr>
-              <a:t>Usage: Allows users to fetch specific HPSAs based on user-inputted criteria, facilitating targeted planning and resource allocation.</a:t>
-            </a:r>
-            <a:endParaRPr lang="en-US" sz="2000">
-              <a:latin typeface="Times New Roman" panose="02020603050405020304" charset="0"/>
-              <a:cs typeface="Times New Roman" panose="02020603050405020304" charset="0"/>
-            </a:endParaRPr>
-          </a:p>
-        </p:txBody>
-      </p:sp>
-      <p:sp>
-        <p:nvSpPr>
-          <p:cNvPr id="6" name="Text Box 5"/>
-          <p:cNvSpPr txBox="1"/>
-          <p:nvPr/>
-        </p:nvSpPr>
-        <p:spPr>
-          <a:xfrm>
-            <a:off x="5285105" y="1184910"/>
-            <a:ext cx="6571615" cy="5323205"/>
+            <a:off x="608965" y="1174750"/>
+            <a:ext cx="9888855" cy="4953000"/>
           </a:xfrm>
           <a:prstGeom prst="rect">
             <a:avLst/>
           </a:prstGeom>
-          <a:noFill/>
         </p:spPr>
-        <p:txBody>
-          <a:bodyPr wrap="square" rtlCol="0" anchor="t">
-            <a:spAutoFit/>
-          </a:bodyPr>
-          <a:p>
-            <a:pPr algn="just"/>
-            <a:r>
-              <a:rPr lang="en-US" sz="2000" b="1">
-                <a:latin typeface="Times New Roman" panose="02020603050405020304" charset="0"/>
-                <a:cs typeface="Times New Roman" panose="02020603050405020304" charset="0"/>
-              </a:rPr>
-              <a:t>Queries:</a:t>
-            </a:r>
-            <a:endParaRPr lang="en-US" sz="2000" b="1">
-              <a:latin typeface="Times New Roman" panose="02020603050405020304" charset="0"/>
-              <a:cs typeface="Times New Roman" panose="02020603050405020304" charset="0"/>
-            </a:endParaRPr>
-          </a:p>
-          <a:p>
-            <a:pPr algn="just"/>
-            <a:r>
-              <a:rPr lang="en-US" sz="2000" b="1">
-                <a:latin typeface="Times New Roman" panose="02020603050405020304" charset="0"/>
-                <a:cs typeface="Times New Roman" panose="02020603050405020304" charset="0"/>
-              </a:rPr>
-              <a:t>Average Score of Designated MUAs:</a:t>
-            </a:r>
-            <a:endParaRPr lang="en-US" sz="2000" b="1">
-              <a:latin typeface="Times New Roman" panose="02020603050405020304" charset="0"/>
-              <a:cs typeface="Times New Roman" panose="02020603050405020304" charset="0"/>
-            </a:endParaRPr>
-          </a:p>
-          <a:p>
-            <a:pPr algn="just"/>
-            <a:r>
-              <a:rPr lang="en-US" sz="2000">
-                <a:latin typeface="Times New Roman" panose="02020603050405020304" charset="0"/>
-                <a:cs typeface="Times New Roman" panose="02020603050405020304" charset="0"/>
-              </a:rPr>
-              <a:t>Retrieves the average MUA score for designated areas.</a:t>
-            </a:r>
-            <a:endParaRPr lang="en-US" sz="2000">
-              <a:latin typeface="Times New Roman" panose="02020603050405020304" charset="0"/>
-              <a:cs typeface="Times New Roman" panose="02020603050405020304" charset="0"/>
-            </a:endParaRPr>
-          </a:p>
-          <a:p>
-            <a:pPr algn="just"/>
-            <a:r>
-              <a:rPr lang="en-US" sz="2000">
-                <a:latin typeface="Times New Roman" panose="02020603050405020304" charset="0"/>
-                <a:cs typeface="Times New Roman" panose="02020603050405020304" charset="0"/>
-              </a:rPr>
-              <a:t>Purpose: Displays a summary of MUA scores, aiding in understanding healthcare accessibility trends.</a:t>
-            </a:r>
-            <a:endParaRPr lang="en-US" sz="2000">
-              <a:latin typeface="Times New Roman" panose="02020603050405020304" charset="0"/>
-              <a:cs typeface="Times New Roman" panose="02020603050405020304" charset="0"/>
-            </a:endParaRPr>
-          </a:p>
-          <a:p>
-            <a:pPr algn="just"/>
-            <a:r>
-              <a:rPr lang="en-US" sz="2000" b="1">
-                <a:latin typeface="Times New Roman" panose="02020603050405020304" charset="0"/>
-                <a:cs typeface="Times New Roman" panose="02020603050405020304" charset="0"/>
-              </a:rPr>
-              <a:t>HPSAs in a Specific State and Type:</a:t>
-            </a:r>
-            <a:endParaRPr lang="en-US" sz="2000" b="1">
-              <a:latin typeface="Times New Roman" panose="02020603050405020304" charset="0"/>
-              <a:cs typeface="Times New Roman" panose="02020603050405020304" charset="0"/>
-            </a:endParaRPr>
-          </a:p>
-          <a:p>
-            <a:pPr algn="just"/>
-            <a:r>
-              <a:rPr lang="en-US" sz="2000">
-                <a:latin typeface="Times New Roman" panose="02020603050405020304" charset="0"/>
-                <a:cs typeface="Times New Roman" panose="02020603050405020304" charset="0"/>
-              </a:rPr>
-              <a:t>Fetches HPSAs in a particular state and of a specific type.</a:t>
-            </a:r>
-            <a:endParaRPr lang="en-US" sz="2000">
-              <a:latin typeface="Times New Roman" panose="02020603050405020304" charset="0"/>
-              <a:cs typeface="Times New Roman" panose="02020603050405020304" charset="0"/>
-            </a:endParaRPr>
-          </a:p>
-          <a:p>
-            <a:pPr algn="just"/>
-            <a:r>
-              <a:rPr lang="en-US" sz="2000">
-                <a:latin typeface="Times New Roman" panose="02020603050405020304" charset="0"/>
-                <a:cs typeface="Times New Roman" panose="02020603050405020304" charset="0"/>
-              </a:rPr>
-              <a:t>Purpose: Enables users to explore specific HPSAs based on state and type, supporting targeted healthcare planning.</a:t>
-            </a:r>
-            <a:endParaRPr lang="en-US" sz="2000">
-              <a:latin typeface="Times New Roman" panose="02020603050405020304" charset="0"/>
-              <a:cs typeface="Times New Roman" panose="02020603050405020304" charset="0"/>
-            </a:endParaRPr>
-          </a:p>
-          <a:p>
-            <a:pPr algn="just"/>
-            <a:r>
-              <a:rPr lang="en-US" sz="2000" b="1">
-                <a:latin typeface="Times New Roman" panose="02020603050405020304" charset="0"/>
-                <a:cs typeface="Times New Roman" panose="02020603050405020304" charset="0"/>
-              </a:rPr>
-              <a:t>Designated Mental Health HPSAs:</a:t>
-            </a:r>
-            <a:endParaRPr lang="en-US" sz="2000" b="1">
-              <a:latin typeface="Times New Roman" panose="02020603050405020304" charset="0"/>
-              <a:cs typeface="Times New Roman" panose="02020603050405020304" charset="0"/>
-            </a:endParaRPr>
-          </a:p>
-          <a:p>
-            <a:pPr algn="just"/>
-            <a:r>
-              <a:rPr lang="en-US" sz="2000">
-                <a:latin typeface="Times New Roman" panose="02020603050405020304" charset="0"/>
-                <a:cs typeface="Times New Roman" panose="02020603050405020304" charset="0"/>
-              </a:rPr>
-              <a:t>Retrieves information about designated mental health HPSAs.</a:t>
-            </a:r>
-            <a:endParaRPr lang="en-US" sz="2000">
-              <a:latin typeface="Times New Roman" panose="02020603050405020304" charset="0"/>
-              <a:cs typeface="Times New Roman" panose="02020603050405020304" charset="0"/>
-            </a:endParaRPr>
-          </a:p>
-          <a:p>
-            <a:pPr algn="just"/>
-            <a:r>
-              <a:rPr lang="en-US" sz="2000">
-                <a:latin typeface="Times New Roman" panose="02020603050405020304" charset="0"/>
-                <a:cs typeface="Times New Roman" panose="02020603050405020304" charset="0"/>
-              </a:rPr>
-              <a:t>Purpose: Offers insights into areas specifically designated for mental health services.</a:t>
-            </a:r>
-            <a:endParaRPr lang="en-US" sz="2000">
-              <a:latin typeface="Times New Roman" panose="02020603050405020304" charset="0"/>
-              <a:cs typeface="Times New Roman" panose="02020603050405020304" charset="0"/>
-            </a:endParaRPr>
-          </a:p>
-          <a:p>
-            <a:pPr algn="just"/>
-            <a:r>
-              <a:rPr lang="en-US" sz="2000" b="1">
-                <a:latin typeface="Times New Roman" panose="02020603050405020304" charset="0"/>
-                <a:cs typeface="Times New Roman" panose="02020603050405020304" charset="0"/>
-              </a:rPr>
-              <a:t>MUAs with the Highest Scores:</a:t>
-            </a:r>
-            <a:endParaRPr lang="en-US" sz="2000" b="1">
-              <a:latin typeface="Times New Roman" panose="02020603050405020304" charset="0"/>
-              <a:cs typeface="Times New Roman" panose="02020603050405020304" charset="0"/>
-            </a:endParaRPr>
-          </a:p>
-          <a:p>
-            <a:pPr algn="just"/>
-            <a:r>
-              <a:rPr lang="en-US" sz="2000">
-                <a:latin typeface="Times New Roman" panose="02020603050405020304" charset="0"/>
-                <a:cs typeface="Times New Roman" panose="02020603050405020304" charset="0"/>
-              </a:rPr>
-              <a:t>Identifies MUAs with the highest scores.</a:t>
-            </a:r>
-            <a:endParaRPr lang="en-US" sz="2000">
-              <a:latin typeface="Times New Roman" panose="02020603050405020304" charset="0"/>
-              <a:cs typeface="Times New Roman" panose="02020603050405020304" charset="0"/>
-            </a:endParaRPr>
-          </a:p>
-          <a:p>
-            <a:pPr algn="just"/>
-            <a:r>
-              <a:rPr lang="en-US" sz="2000">
-                <a:latin typeface="Times New Roman" panose="02020603050405020304" charset="0"/>
-                <a:cs typeface="Times New Roman" panose="02020603050405020304" charset="0"/>
-              </a:rPr>
-              <a:t>Purpose: Pinpoints areas with the greatest need for attention and resources.</a:t>
-            </a:r>
-            <a:endParaRPr lang="en-US" sz="2000">
-              <a:latin typeface="Times New Roman" panose="02020603050405020304" charset="0"/>
-              <a:cs typeface="Times New Roman" panose="02020603050405020304" charset="0"/>
-            </a:endParaRPr>
-          </a:p>
-        </p:txBody>
-      </p:sp>
+      </p:pic>
     </p:spTree>
   </p:cSld>
   <p:clrMapOvr>
@@ -4797,253 +5114,44 @@
             <p:ph type="title"/>
           </p:nvPr>
         </p:nvSpPr>
+        <p:spPr/>
+        <p:txBody>
+          <a:bodyPr/>
+          <a:p>
+            <a:r>
+              <a:rPr lang="en-US"/>
+              <a:t>Clean the data</a:t>
+            </a:r>
+            <a:endParaRPr lang="en-US"/>
+          </a:p>
+        </p:txBody>
+      </p:sp>
+      <p:pic>
+        <p:nvPicPr>
+          <p:cNvPr id="4" name="Content Placeholder 3"/>
+          <p:cNvPicPr>
+            <a:picLocks noChangeAspect="1"/>
+          </p:cNvPicPr>
+          <p:nvPr>
+            <p:ph idx="1"/>
+          </p:nvPr>
+        </p:nvPicPr>
+        <p:blipFill>
+          <a:blip r:embed="rId1"/>
+          <a:stretch>
+            <a:fillRect/>
+          </a:stretch>
+        </p:blipFill>
         <p:spPr>
           <a:xfrm>
-            <a:off x="647700" y="258445"/>
-            <a:ext cx="10515600" cy="908685"/>
+            <a:off x="608965" y="969010"/>
+            <a:ext cx="10299700" cy="5158740"/>
           </a:xfrm>
+          <a:prstGeom prst="rect">
+            <a:avLst/>
+          </a:prstGeom>
         </p:spPr>
-        <p:txBody>
-          <a:bodyPr/>
-          <a:p>
-            <a:r>
-              <a:rPr lang="en-US"/>
-              <a:t>Database Initialization and Data Insertion</a:t>
-            </a:r>
-            <a:endParaRPr lang="en-US"/>
-          </a:p>
-        </p:txBody>
-      </p:sp>
-      <p:sp>
-        <p:nvSpPr>
-          <p:cNvPr id="3" name="Content Placeholder 2"/>
-          <p:cNvSpPr>
-            <a:spLocks noGrp="1"/>
-          </p:cNvSpPr>
-          <p:nvPr>
-            <p:ph idx="1"/>
-          </p:nvPr>
-        </p:nvSpPr>
-        <p:spPr>
-          <a:xfrm>
-            <a:off x="647700" y="1252855"/>
-            <a:ext cx="10515600" cy="5222240"/>
-          </a:xfrm>
-        </p:spPr>
-        <p:txBody>
-          <a:bodyPr>
-            <a:noAutofit/>
-          </a:bodyPr>
-          <a:p>
-            <a:pPr marL="0" indent="0" algn="just">
-              <a:buNone/>
-            </a:pPr>
-            <a:r>
-              <a:rPr lang="en-US" sz="1800" b="1">
-                <a:latin typeface="Times New Roman" panose="02020603050405020304" charset="0"/>
-                <a:cs typeface="Times New Roman" panose="02020603050405020304" charset="0"/>
-              </a:rPr>
-              <a:t>Database Connection:</a:t>
-            </a:r>
-            <a:endParaRPr lang="en-US" sz="1800" b="1">
-              <a:latin typeface="Times New Roman" panose="02020603050405020304" charset="0"/>
-              <a:cs typeface="Times New Roman" panose="02020603050405020304" charset="0"/>
-            </a:endParaRPr>
-          </a:p>
-          <a:p>
-            <a:pPr marL="0" indent="0" algn="just">
-              <a:buNone/>
-            </a:pPr>
-            <a:r>
-              <a:rPr lang="en-US" sz="1800">
-                <a:latin typeface="Times New Roman" panose="02020603050405020304" charset="0"/>
-                <a:cs typeface="Times New Roman" panose="02020603050405020304" charset="0"/>
-              </a:rPr>
-              <a:t>Attempts to connect to a MySQL database using provided host, user, password, and database information.</a:t>
-            </a:r>
-            <a:endParaRPr lang="en-US" sz="1800">
-              <a:latin typeface="Times New Roman" panose="02020603050405020304" charset="0"/>
-              <a:cs typeface="Times New Roman" panose="02020603050405020304" charset="0"/>
-            </a:endParaRPr>
-          </a:p>
-          <a:p>
-            <a:pPr marL="0" indent="0" algn="just">
-              <a:buNone/>
-            </a:pPr>
-            <a:r>
-              <a:rPr lang="en-US" sz="1800" b="1">
-                <a:latin typeface="Times New Roman" panose="02020603050405020304" charset="0"/>
-                <a:cs typeface="Times New Roman" panose="02020603050405020304" charset="0"/>
-              </a:rPr>
-              <a:t>Table Creation and Data Insertion:</a:t>
-            </a:r>
-            <a:endParaRPr lang="en-US" sz="1800" b="1">
-              <a:latin typeface="Times New Roman" panose="02020603050405020304" charset="0"/>
-              <a:cs typeface="Times New Roman" panose="02020603050405020304" charset="0"/>
-            </a:endParaRPr>
-          </a:p>
-          <a:p>
-            <a:pPr marL="0" indent="0" algn="just">
-              <a:buNone/>
-            </a:pPr>
-            <a:r>
-              <a:rPr lang="en-US" sz="1800">
-                <a:latin typeface="Times New Roman" panose="02020603050405020304" charset="0"/>
-                <a:cs typeface="Times New Roman" panose="02020603050405020304" charset="0"/>
-              </a:rPr>
-              <a:t>Defines four datasets, each representing a table (hpsa_primary_care, hpsa_mental_health, hpsa_dental_health, hpsa_mua).</a:t>
-            </a:r>
-            <a:endParaRPr lang="en-US" sz="1800">
-              <a:latin typeface="Times New Roman" panose="02020603050405020304" charset="0"/>
-              <a:cs typeface="Times New Roman" panose="02020603050405020304" charset="0"/>
-            </a:endParaRPr>
-          </a:p>
-          <a:p>
-            <a:pPr marL="0" indent="0" algn="just">
-              <a:buNone/>
-            </a:pPr>
-            <a:r>
-              <a:rPr lang="en-US" sz="1800">
-                <a:latin typeface="Times New Roman" panose="02020603050405020304" charset="0"/>
-                <a:cs typeface="Times New Roman" panose="02020603050405020304" charset="0"/>
-              </a:rPr>
-              <a:t>Dynamically generates CREATE TABLE queries based on column names and types.</a:t>
-            </a:r>
-            <a:endParaRPr lang="en-US" sz="1800">
-              <a:latin typeface="Times New Roman" panose="02020603050405020304" charset="0"/>
-              <a:cs typeface="Times New Roman" panose="02020603050405020304" charset="0"/>
-            </a:endParaRPr>
-          </a:p>
-          <a:p>
-            <a:pPr marL="0" indent="0" algn="just">
-              <a:buNone/>
-            </a:pPr>
-            <a:r>
-              <a:rPr lang="en-US" sz="1800">
-                <a:latin typeface="Times New Roman" panose="02020603050405020304" charset="0"/>
-                <a:cs typeface="Times New Roman" panose="02020603050405020304" charset="0"/>
-              </a:rPr>
-              <a:t>Executes CREATE TABLE queries to create tables in the MySQL database.</a:t>
-            </a:r>
-            <a:endParaRPr lang="en-US" sz="1800">
-              <a:latin typeface="Times New Roman" panose="02020603050405020304" charset="0"/>
-              <a:cs typeface="Times New Roman" panose="02020603050405020304" charset="0"/>
-            </a:endParaRPr>
-          </a:p>
-          <a:p>
-            <a:pPr marL="0" indent="0" algn="just">
-              <a:buNone/>
-            </a:pPr>
-            <a:r>
-              <a:rPr lang="en-US" sz="1800">
-                <a:latin typeface="Times New Roman" panose="02020603050405020304" charset="0"/>
-                <a:cs typeface="Times New Roman" panose="02020603050405020304" charset="0"/>
-              </a:rPr>
-              <a:t>Prepares and executes INSERT queries to insert data from datasets into corresponding tables.</a:t>
-            </a:r>
-            <a:endParaRPr lang="en-US" sz="1800">
-              <a:latin typeface="Times New Roman" panose="02020603050405020304" charset="0"/>
-              <a:cs typeface="Times New Roman" panose="02020603050405020304" charset="0"/>
-            </a:endParaRPr>
-          </a:p>
-          <a:p>
-            <a:pPr marL="0" indent="0" algn="just">
-              <a:buNone/>
-            </a:pPr>
-            <a:r>
-              <a:rPr lang="en-US" sz="1800" b="1">
-                <a:latin typeface="Times New Roman" panose="02020603050405020304" charset="0"/>
-                <a:cs typeface="Times New Roman" panose="02020603050405020304" charset="0"/>
-              </a:rPr>
-              <a:t>Commit Changes:</a:t>
-            </a:r>
-            <a:endParaRPr lang="en-US" sz="1800" b="1">
-              <a:latin typeface="Times New Roman" panose="02020603050405020304" charset="0"/>
-              <a:cs typeface="Times New Roman" panose="02020603050405020304" charset="0"/>
-            </a:endParaRPr>
-          </a:p>
-          <a:p>
-            <a:pPr marL="0" indent="0" algn="just">
-              <a:buNone/>
-            </a:pPr>
-            <a:r>
-              <a:rPr lang="en-US" sz="1800">
-                <a:latin typeface="Times New Roman" panose="02020603050405020304" charset="0"/>
-                <a:cs typeface="Times New Roman" panose="02020603050405020304" charset="0"/>
-              </a:rPr>
-              <a:t>Commits the changes to the database for permanent effect.</a:t>
-            </a:r>
-            <a:endParaRPr lang="en-US" sz="1800">
-              <a:latin typeface="Times New Roman" panose="02020603050405020304" charset="0"/>
-              <a:cs typeface="Times New Roman" panose="02020603050405020304" charset="0"/>
-            </a:endParaRPr>
-          </a:p>
-          <a:p>
-            <a:pPr marL="0" indent="0" algn="just">
-              <a:buNone/>
-            </a:pPr>
-            <a:r>
-              <a:rPr lang="en-US" sz="1800" b="1">
-                <a:latin typeface="Times New Roman" panose="02020603050405020304" charset="0"/>
-                <a:cs typeface="Times New Roman" panose="02020603050405020304" charset="0"/>
-              </a:rPr>
-              <a:t>Error Handling:</a:t>
-            </a:r>
-            <a:endParaRPr lang="en-US" sz="1800" b="1">
-              <a:latin typeface="Times New Roman" panose="02020603050405020304" charset="0"/>
-              <a:cs typeface="Times New Roman" panose="02020603050405020304" charset="0"/>
-            </a:endParaRPr>
-          </a:p>
-          <a:p>
-            <a:pPr marL="0" indent="0" algn="just">
-              <a:buNone/>
-            </a:pPr>
-            <a:r>
-              <a:rPr lang="en-US" sz="1800">
-                <a:latin typeface="Times New Roman" panose="02020603050405020304" charset="0"/>
-                <a:cs typeface="Times New Roman" panose="02020603050405020304" charset="0"/>
-              </a:rPr>
-              <a:t>If any error occurs during the process (e.g., connection error, SQL syntax error), it prints an error message.</a:t>
-            </a:r>
-            <a:endParaRPr lang="en-US" sz="1800">
-              <a:latin typeface="Times New Roman" panose="02020603050405020304" charset="0"/>
-              <a:cs typeface="Times New Roman" panose="02020603050405020304" charset="0"/>
-            </a:endParaRPr>
-          </a:p>
-          <a:p>
-            <a:pPr marL="0" indent="0" algn="just">
-              <a:buNone/>
-            </a:pPr>
-            <a:r>
-              <a:rPr lang="en-US" sz="1800" b="1">
-                <a:latin typeface="Times New Roman" panose="02020603050405020304" charset="0"/>
-                <a:cs typeface="Times New Roman" panose="02020603050405020304" charset="0"/>
-              </a:rPr>
-              <a:t>Connection Closure:</a:t>
-            </a:r>
-            <a:endParaRPr lang="en-US" sz="1800" b="1">
-              <a:latin typeface="Times New Roman" panose="02020603050405020304" charset="0"/>
-              <a:cs typeface="Times New Roman" panose="02020603050405020304" charset="0"/>
-            </a:endParaRPr>
-          </a:p>
-          <a:p>
-            <a:pPr marL="0" indent="0" algn="just">
-              <a:buNone/>
-            </a:pPr>
-            <a:r>
-              <a:rPr lang="en-US" sz="1800">
-                <a:latin typeface="Times New Roman" panose="02020603050405020304" charset="0"/>
-                <a:cs typeface="Times New Roman" panose="02020603050405020304" charset="0"/>
-              </a:rPr>
-              <a:t>Closes the cursor and the database connection, ensuring proper cleanup.</a:t>
-            </a:r>
-            <a:endParaRPr lang="en-US" sz="1800">
-              <a:latin typeface="Times New Roman" panose="02020603050405020304" charset="0"/>
-              <a:cs typeface="Times New Roman" panose="02020603050405020304" charset="0"/>
-            </a:endParaRPr>
-          </a:p>
-        </p:txBody>
-      </p:sp>
+      </p:pic>
     </p:spTree>
   </p:cSld>
   <p:clrMapOvr>
@@ -5072,208 +5180,351 @@
             <p:ph type="title"/>
           </p:nvPr>
         </p:nvSpPr>
+        <p:spPr/>
+        <p:txBody>
+          <a:bodyPr/>
+          <a:p>
+            <a:r>
+              <a:rPr lang="en-US"/>
+              <a:t>Stored Procedures &amp; Queries</a:t>
+            </a:r>
+            <a:endParaRPr lang="en-US"/>
+          </a:p>
+        </p:txBody>
+      </p:sp>
+      <p:sp>
+        <p:nvSpPr>
+          <p:cNvPr id="3" name="Content Placeholder 2"/>
+          <p:cNvSpPr>
+            <a:spLocks noGrp="1"/>
+          </p:cNvSpPr>
+          <p:nvPr>
+            <p:ph idx="1"/>
+          </p:nvPr>
+        </p:nvSpPr>
         <p:spPr>
           <a:xfrm>
-            <a:off x="647700" y="258445"/>
-            <a:ext cx="10515600" cy="1072515"/>
+            <a:off x="466725" y="1253490"/>
+            <a:ext cx="4818380" cy="5185410"/>
           </a:xfrm>
         </p:spPr>
         <p:txBody>
           <a:bodyPr/>
           <a:p>
-            <a:r>
-              <a:rPr lang="en-US"/>
-              <a:t>Interactive Query Execution</a:t>
-            </a:r>
-            <a:endParaRPr lang="en-US"/>
-          </a:p>
-        </p:txBody>
-      </p:sp>
-      <p:sp>
-        <p:nvSpPr>
-          <p:cNvPr id="3" name="Content Placeholder 2"/>
-          <p:cNvSpPr>
-            <a:spLocks noGrp="1"/>
-          </p:cNvSpPr>
-          <p:nvPr>
-            <p:ph idx="1"/>
-          </p:nvPr>
+            <a:pPr marL="0" indent="0" algn="just">
+              <a:buNone/>
+            </a:pPr>
+            <a:r>
+              <a:rPr lang="en-US" sz="2000" b="1">
+                <a:latin typeface="Times New Roman" panose="02020603050405020304" charset="0"/>
+                <a:cs typeface="Times New Roman" panose="02020603050405020304" charset="0"/>
+              </a:rPr>
+              <a:t>Stored Procedures:</a:t>
+            </a:r>
+            <a:endParaRPr lang="en-US" sz="2000" b="1">
+              <a:latin typeface="Times New Roman" panose="02020603050405020304" charset="0"/>
+              <a:cs typeface="Times New Roman" panose="02020603050405020304" charset="0"/>
+            </a:endParaRPr>
+          </a:p>
+          <a:p>
+            <a:pPr marL="0" indent="0" algn="just">
+              <a:buNone/>
+            </a:pPr>
+            <a:r>
+              <a:rPr lang="en-US" sz="2000" b="1">
+                <a:latin typeface="Times New Roman" panose="02020603050405020304" charset="0"/>
+                <a:cs typeface="Times New Roman" panose="02020603050405020304" charset="0"/>
+              </a:rPr>
+              <a:t>usp_GetAverageScoreByMUAStatus:</a:t>
+            </a:r>
+            <a:endParaRPr lang="en-US" sz="2000" b="1">
+              <a:latin typeface="Times New Roman" panose="02020603050405020304" charset="0"/>
+              <a:cs typeface="Times New Roman" panose="02020603050405020304" charset="0"/>
+            </a:endParaRPr>
+          </a:p>
+          <a:p>
+            <a:pPr marL="0" indent="0" algn="just">
+              <a:buNone/>
+            </a:pPr>
+            <a:r>
+              <a:rPr lang="en-US" sz="2000">
+                <a:latin typeface="Times New Roman" panose="02020603050405020304" charset="0"/>
+                <a:cs typeface="Times New Roman" panose="02020603050405020304" charset="0"/>
+              </a:rPr>
+              <a:t>Calculates and returns the average MUA score for each MUA status.</a:t>
+            </a:r>
+            <a:endParaRPr lang="en-US" sz="2000">
+              <a:latin typeface="Times New Roman" panose="02020603050405020304" charset="0"/>
+              <a:cs typeface="Times New Roman" panose="02020603050405020304" charset="0"/>
+            </a:endParaRPr>
+          </a:p>
+          <a:p>
+            <a:pPr marL="0" indent="0" algn="just">
+              <a:buNone/>
+            </a:pPr>
+            <a:r>
+              <a:rPr lang="en-US" sz="2000">
+                <a:latin typeface="Times New Roman" panose="02020603050405020304" charset="0"/>
+                <a:cs typeface="Times New Roman" panose="02020603050405020304" charset="0"/>
+              </a:rPr>
+              <a:t>Usage: Provides an overview of average MUA scores based on different MUA statuses, aiding in identifying trends and disparities.</a:t>
+            </a:r>
+            <a:endParaRPr lang="en-US" sz="2000">
+              <a:latin typeface="Times New Roman" panose="02020603050405020304" charset="0"/>
+              <a:cs typeface="Times New Roman" panose="02020603050405020304" charset="0"/>
+            </a:endParaRPr>
+          </a:p>
+          <a:p>
+            <a:pPr marL="0" indent="0" algn="just">
+              <a:buNone/>
+            </a:pPr>
+            <a:r>
+              <a:rPr lang="en-US" sz="2000" b="1">
+                <a:latin typeface="Times New Roman" panose="02020603050405020304" charset="0"/>
+                <a:cs typeface="Times New Roman" panose="02020603050405020304" charset="0"/>
+              </a:rPr>
+              <a:t>usp_GetHPSAByStateAndType:</a:t>
+            </a:r>
+            <a:endParaRPr lang="en-US" sz="2000" b="1">
+              <a:latin typeface="Times New Roman" panose="02020603050405020304" charset="0"/>
+              <a:cs typeface="Times New Roman" panose="02020603050405020304" charset="0"/>
+            </a:endParaRPr>
+          </a:p>
+          <a:p>
+            <a:pPr marL="0" indent="0" algn="just">
+              <a:buNone/>
+            </a:pPr>
+            <a:r>
+              <a:rPr lang="en-US" sz="2000">
+                <a:latin typeface="Times New Roman" panose="02020603050405020304" charset="0"/>
+                <a:cs typeface="Times New Roman" panose="02020603050405020304" charset="0"/>
+              </a:rPr>
+              <a:t>Retrieves HPSAs based on the provided state abbreviation and type code.</a:t>
+            </a:r>
+            <a:endParaRPr lang="en-US" sz="2000">
+              <a:latin typeface="Times New Roman" panose="02020603050405020304" charset="0"/>
+              <a:cs typeface="Times New Roman" panose="02020603050405020304" charset="0"/>
+            </a:endParaRPr>
+          </a:p>
+          <a:p>
+            <a:pPr marL="0" indent="0" algn="just">
+              <a:buNone/>
+            </a:pPr>
+            <a:r>
+              <a:rPr lang="en-US" sz="2000">
+                <a:latin typeface="Times New Roman" panose="02020603050405020304" charset="0"/>
+                <a:cs typeface="Times New Roman" panose="02020603050405020304" charset="0"/>
+              </a:rPr>
+              <a:t>Usage: Allows users to fetch specific HPSAs based on user-inputted criteria, facilitating targeted planning and resource allocation.</a:t>
+            </a:r>
+            <a:endParaRPr lang="en-US" sz="2000">
+              <a:latin typeface="Times New Roman" panose="02020603050405020304" charset="0"/>
+              <a:cs typeface="Times New Roman" panose="02020603050405020304" charset="0"/>
+            </a:endParaRPr>
+          </a:p>
+        </p:txBody>
+      </p:sp>
+      <p:sp>
+        <p:nvSpPr>
+          <p:cNvPr id="6" name="Text Box 5"/>
+          <p:cNvSpPr txBox="1"/>
+          <p:nvPr/>
         </p:nvSpPr>
         <p:spPr>
           <a:xfrm>
-            <a:off x="647700" y="1252855"/>
-            <a:ext cx="10515600" cy="4351338"/>
+            <a:off x="5285105" y="1184910"/>
+            <a:ext cx="6571615" cy="5323205"/>
           </a:xfrm>
+          <a:prstGeom prst="rect">
+            <a:avLst/>
+          </a:prstGeom>
+          <a:noFill/>
         </p:spPr>
         <p:txBody>
-          <a:bodyPr>
-            <a:noAutofit/>
+          <a:bodyPr wrap="square" rtlCol="0" anchor="t">
+            <a:spAutoFit/>
           </a:bodyPr>
           <a:p>
-            <a:pPr marL="0" indent="0">
-              <a:buNone/>
-            </a:pPr>
-            <a:r>
-              <a:rPr lang="en-US" sz="1600" b="1"/>
-              <a:t>Functionality Overview:</a:t>
-            </a:r>
-            <a:endParaRPr lang="en-US" sz="1600" b="1"/>
-          </a:p>
-          <a:p>
-            <a:pPr>
-              <a:buFont typeface="Arial" panose="020B0604020202020204" pitchFamily="34" charset="0"/>
-              <a:buChar char="•"/>
-            </a:pPr>
-            <a:r>
-              <a:rPr lang="en-US" sz="1600"/>
-              <a:t>Allows users to interactively input and execute SQL queries on the connected MySQL database.</a:t>
-            </a:r>
-            <a:endParaRPr lang="en-US" sz="1600"/>
-          </a:p>
-          <a:p>
-            <a:pPr>
-              <a:buFont typeface="Arial" panose="020B0604020202020204" pitchFamily="34" charset="0"/>
-              <a:buChar char="•"/>
-            </a:pPr>
-            <a:r>
-              <a:rPr lang="en-US" sz="1600"/>
-              <a:t>Provides a flexible way to explore and retrieve data.</a:t>
-            </a:r>
-            <a:endParaRPr lang="en-US" sz="1600"/>
-          </a:p>
-          <a:p>
-            <a:pPr marL="0" indent="0">
-              <a:buNone/>
-            </a:pPr>
-            <a:r>
-              <a:rPr lang="en-US" sz="1600" b="1"/>
-              <a:t>Database Connection:</a:t>
-            </a:r>
-            <a:endParaRPr lang="en-US" sz="1600" b="1"/>
-          </a:p>
-          <a:p>
-            <a:pPr>
-              <a:buFont typeface="Arial" panose="020B0604020202020204" pitchFamily="34" charset="0"/>
-              <a:buChar char="•"/>
-            </a:pPr>
-            <a:r>
-              <a:rPr lang="en-US" sz="1600"/>
-              <a:t>Establishes a connection to the MySQL database using the mysql.connector library.</a:t>
-            </a:r>
-            <a:endParaRPr lang="en-US" sz="1600"/>
-          </a:p>
-          <a:p>
-            <a:pPr>
-              <a:buFont typeface="Arial" panose="020B0604020202020204" pitchFamily="34" charset="0"/>
-              <a:buChar char="•"/>
-            </a:pPr>
-            <a:r>
-              <a:rPr lang="en-US" sz="1600"/>
-              <a:t>User Input:</a:t>
-            </a:r>
-            <a:endParaRPr lang="en-US" sz="1600"/>
-          </a:p>
-          <a:p>
-            <a:pPr>
-              <a:buFont typeface="Arial" panose="020B0604020202020204" pitchFamily="34" charset="0"/>
-              <a:buChar char="•"/>
-            </a:pPr>
-            <a:r>
-              <a:rPr lang="en-US" sz="1600"/>
-              <a:t>Prompts the user to enter a SQL query they want to perform on the connected database.</a:t>
-            </a:r>
-            <a:endParaRPr lang="en-US" sz="1600"/>
-          </a:p>
-          <a:p>
-            <a:pPr marL="0" indent="0">
-              <a:buNone/>
-            </a:pPr>
-            <a:r>
-              <a:rPr lang="en-US" sz="1600" b="1"/>
-              <a:t>Query Execution:</a:t>
-            </a:r>
-            <a:endParaRPr lang="en-US" sz="1600" b="1"/>
-          </a:p>
-          <a:p>
-            <a:pPr>
-              <a:buFont typeface="Arial" panose="020B0604020202020204" pitchFamily="34" charset="0"/>
-              <a:buChar char="•"/>
-            </a:pPr>
-            <a:r>
-              <a:rPr lang="en-US" sz="1600"/>
-              <a:t>Executes the provided SQL query using the database cursor.</a:t>
-            </a:r>
-            <a:endParaRPr lang="en-US" sz="1600"/>
-          </a:p>
-          <a:p>
-            <a:pPr marL="0" indent="0">
-              <a:buNone/>
-            </a:pPr>
-            <a:r>
-              <a:rPr lang="en-US" sz="1600" b="1"/>
-              <a:t>Fetching and Printing Rows:</a:t>
-            </a:r>
-            <a:endParaRPr lang="en-US" sz="1600" b="1"/>
-          </a:p>
-          <a:p>
-            <a:pPr>
-              <a:buFont typeface="Arial" panose="020B0604020202020204" pitchFamily="34" charset="0"/>
-              <a:buChar char="•"/>
-            </a:pPr>
-            <a:r>
-              <a:rPr lang="en-US" sz="1600"/>
-              <a:t>Fetches all rows resulting from the query execution.</a:t>
-            </a:r>
-            <a:endParaRPr lang="en-US" sz="1600"/>
-          </a:p>
-          <a:p>
-            <a:pPr>
-              <a:buFont typeface="Arial" panose="020B0604020202020204" pitchFamily="34" charset="0"/>
-              <a:buChar char="•"/>
-            </a:pPr>
-            <a:r>
-              <a:rPr lang="en-US" sz="1600"/>
-              <a:t>Prints each row to the console.</a:t>
-            </a:r>
-            <a:endParaRPr lang="en-US" sz="1600"/>
-          </a:p>
-          <a:p>
-            <a:pPr marL="0" indent="0">
-              <a:buNone/>
-            </a:pPr>
-            <a:r>
-              <a:rPr lang="en-US" sz="1600" b="1"/>
-              <a:t>Error Handling:</a:t>
-            </a:r>
-            <a:endParaRPr lang="en-US" sz="1600" b="1"/>
-          </a:p>
-          <a:p>
-            <a:pPr>
-              <a:buFont typeface="Arial" panose="020B0604020202020204" pitchFamily="34" charset="0"/>
-              <a:buChar char="•"/>
-            </a:pPr>
-            <a:r>
-              <a:rPr lang="en-US" sz="1600"/>
-              <a:t>Prints an error message if any error occurs during the process.</a:t>
-            </a:r>
-            <a:endParaRPr lang="en-US" sz="1600"/>
-          </a:p>
-          <a:p>
-            <a:pPr marL="0" indent="0">
-              <a:buNone/>
-            </a:pPr>
-            <a:r>
-              <a:rPr lang="en-US" sz="1600" b="1"/>
-              <a:t>Connection Closure:</a:t>
-            </a:r>
-            <a:endParaRPr lang="en-US" sz="1600" b="1"/>
-          </a:p>
-          <a:p>
-            <a:r>
-              <a:rPr lang="en-US" sz="1600"/>
-              <a:t>Finally, closes the cursor and the database connection.</a:t>
-            </a:r>
-            <a:endParaRPr lang="en-US" sz="1600"/>
+            <a:pPr algn="just"/>
+            <a:r>
+              <a:rPr lang="en-US" sz="2000" b="1">
+                <a:latin typeface="Times New Roman" panose="02020603050405020304" charset="0"/>
+                <a:cs typeface="Times New Roman" panose="02020603050405020304" charset="0"/>
+              </a:rPr>
+              <a:t>Queries:</a:t>
+            </a:r>
+            <a:endParaRPr lang="en-US" sz="2000" b="1">
+              <a:latin typeface="Times New Roman" panose="02020603050405020304" charset="0"/>
+              <a:cs typeface="Times New Roman" panose="02020603050405020304" charset="0"/>
+            </a:endParaRPr>
+          </a:p>
+          <a:p>
+            <a:pPr algn="just"/>
+            <a:r>
+              <a:rPr lang="en-US" sz="2000" b="1">
+                <a:latin typeface="Times New Roman" panose="02020603050405020304" charset="0"/>
+                <a:cs typeface="Times New Roman" panose="02020603050405020304" charset="0"/>
+              </a:rPr>
+              <a:t>Average Score of Designated MUAs:</a:t>
+            </a:r>
+            <a:endParaRPr lang="en-US" sz="2000" b="1">
+              <a:latin typeface="Times New Roman" panose="02020603050405020304" charset="0"/>
+              <a:cs typeface="Times New Roman" panose="02020603050405020304" charset="0"/>
+            </a:endParaRPr>
+          </a:p>
+          <a:p>
+            <a:pPr algn="just"/>
+            <a:r>
+              <a:rPr lang="en-US" sz="2000">
+                <a:latin typeface="Times New Roman" panose="02020603050405020304" charset="0"/>
+                <a:cs typeface="Times New Roman" panose="02020603050405020304" charset="0"/>
+              </a:rPr>
+              <a:t>Retrieves the average MUA score for designated areas.</a:t>
+            </a:r>
+            <a:endParaRPr lang="en-US" sz="2000">
+              <a:latin typeface="Times New Roman" panose="02020603050405020304" charset="0"/>
+              <a:cs typeface="Times New Roman" panose="02020603050405020304" charset="0"/>
+            </a:endParaRPr>
+          </a:p>
+          <a:p>
+            <a:pPr algn="just"/>
+            <a:r>
+              <a:rPr lang="en-US" sz="2000">
+                <a:latin typeface="Times New Roman" panose="02020603050405020304" charset="0"/>
+                <a:cs typeface="Times New Roman" panose="02020603050405020304" charset="0"/>
+              </a:rPr>
+              <a:t>Purpose: Displays a summary of MUA scores, aiding in understanding healthcare accessibility trends.</a:t>
+            </a:r>
+            <a:endParaRPr lang="en-US" sz="2000">
+              <a:latin typeface="Times New Roman" panose="02020603050405020304" charset="0"/>
+              <a:cs typeface="Times New Roman" panose="02020603050405020304" charset="0"/>
+            </a:endParaRPr>
+          </a:p>
+          <a:p>
+            <a:pPr algn="just"/>
+            <a:r>
+              <a:rPr lang="en-US" sz="2000" b="1">
+                <a:latin typeface="Times New Roman" panose="02020603050405020304" charset="0"/>
+                <a:cs typeface="Times New Roman" panose="02020603050405020304" charset="0"/>
+              </a:rPr>
+              <a:t>HPSAs in a Specific State and Type:</a:t>
+            </a:r>
+            <a:endParaRPr lang="en-US" sz="2000" b="1">
+              <a:latin typeface="Times New Roman" panose="02020603050405020304" charset="0"/>
+              <a:cs typeface="Times New Roman" panose="02020603050405020304" charset="0"/>
+            </a:endParaRPr>
+          </a:p>
+          <a:p>
+            <a:pPr algn="just"/>
+            <a:r>
+              <a:rPr lang="en-US" sz="2000">
+                <a:latin typeface="Times New Roman" panose="02020603050405020304" charset="0"/>
+                <a:cs typeface="Times New Roman" panose="02020603050405020304" charset="0"/>
+              </a:rPr>
+              <a:t>Fetches HPSAs in a particular state and of a specific type.</a:t>
+            </a:r>
+            <a:endParaRPr lang="en-US" sz="2000">
+              <a:latin typeface="Times New Roman" panose="02020603050405020304" charset="0"/>
+              <a:cs typeface="Times New Roman" panose="02020603050405020304" charset="0"/>
+            </a:endParaRPr>
+          </a:p>
+          <a:p>
+            <a:pPr algn="just"/>
+            <a:r>
+              <a:rPr lang="en-US" sz="2000">
+                <a:latin typeface="Times New Roman" panose="02020603050405020304" charset="0"/>
+                <a:cs typeface="Times New Roman" panose="02020603050405020304" charset="0"/>
+              </a:rPr>
+              <a:t>Purpose: Enables users to explore specific HPSAs based on state and type, supporting targeted healthcare planning.</a:t>
+            </a:r>
+            <a:endParaRPr lang="en-US" sz="2000">
+              <a:latin typeface="Times New Roman" panose="02020603050405020304" charset="0"/>
+              <a:cs typeface="Times New Roman" panose="02020603050405020304" charset="0"/>
+            </a:endParaRPr>
+          </a:p>
+          <a:p>
+            <a:pPr algn="just"/>
+            <a:r>
+              <a:rPr lang="en-US" sz="2000" b="1">
+                <a:latin typeface="Times New Roman" panose="02020603050405020304" charset="0"/>
+                <a:cs typeface="Times New Roman" panose="02020603050405020304" charset="0"/>
+              </a:rPr>
+              <a:t>Designated Mental Health HPSAs:</a:t>
+            </a:r>
+            <a:endParaRPr lang="en-US" sz="2000" b="1">
+              <a:latin typeface="Times New Roman" panose="02020603050405020304" charset="0"/>
+              <a:cs typeface="Times New Roman" panose="02020603050405020304" charset="0"/>
+            </a:endParaRPr>
+          </a:p>
+          <a:p>
+            <a:pPr algn="just"/>
+            <a:r>
+              <a:rPr lang="en-US" sz="2000">
+                <a:latin typeface="Times New Roman" panose="02020603050405020304" charset="0"/>
+                <a:cs typeface="Times New Roman" panose="02020603050405020304" charset="0"/>
+              </a:rPr>
+              <a:t>Retrieves information about designated mental health HPSAs.</a:t>
+            </a:r>
+            <a:endParaRPr lang="en-US" sz="2000">
+              <a:latin typeface="Times New Roman" panose="02020603050405020304" charset="0"/>
+              <a:cs typeface="Times New Roman" panose="02020603050405020304" charset="0"/>
+            </a:endParaRPr>
+          </a:p>
+          <a:p>
+            <a:pPr algn="just"/>
+            <a:r>
+              <a:rPr lang="en-US" sz="2000">
+                <a:latin typeface="Times New Roman" panose="02020603050405020304" charset="0"/>
+                <a:cs typeface="Times New Roman" panose="02020603050405020304" charset="0"/>
+              </a:rPr>
+              <a:t>Purpose: Offers insights into areas specifically designated for mental health services.</a:t>
+            </a:r>
+            <a:endParaRPr lang="en-US" sz="2000">
+              <a:latin typeface="Times New Roman" panose="02020603050405020304" charset="0"/>
+              <a:cs typeface="Times New Roman" panose="02020603050405020304" charset="0"/>
+            </a:endParaRPr>
+          </a:p>
+          <a:p>
+            <a:pPr algn="just"/>
+            <a:r>
+              <a:rPr lang="en-US" sz="2000" b="1">
+                <a:latin typeface="Times New Roman" panose="02020603050405020304" charset="0"/>
+                <a:cs typeface="Times New Roman" panose="02020603050405020304" charset="0"/>
+              </a:rPr>
+              <a:t>MUAs with the Highest Scores:</a:t>
+            </a:r>
+            <a:endParaRPr lang="en-US" sz="2000" b="1">
+              <a:latin typeface="Times New Roman" panose="02020603050405020304" charset="0"/>
+              <a:cs typeface="Times New Roman" panose="02020603050405020304" charset="0"/>
+            </a:endParaRPr>
+          </a:p>
+          <a:p>
+            <a:pPr algn="just"/>
+            <a:r>
+              <a:rPr lang="en-US" sz="2000">
+                <a:latin typeface="Times New Roman" panose="02020603050405020304" charset="0"/>
+                <a:cs typeface="Times New Roman" panose="02020603050405020304" charset="0"/>
+              </a:rPr>
+              <a:t>Identifies MUAs with the highest scores.</a:t>
+            </a:r>
+            <a:endParaRPr lang="en-US" sz="2000">
+              <a:latin typeface="Times New Roman" panose="02020603050405020304" charset="0"/>
+              <a:cs typeface="Times New Roman" panose="02020603050405020304" charset="0"/>
+            </a:endParaRPr>
+          </a:p>
+          <a:p>
+            <a:pPr algn="just"/>
+            <a:r>
+              <a:rPr lang="en-US" sz="2000">
+                <a:latin typeface="Times New Roman" panose="02020603050405020304" charset="0"/>
+                <a:cs typeface="Times New Roman" panose="02020603050405020304" charset="0"/>
+              </a:rPr>
+              <a:t>Purpose: Pinpoints areas with the greatest need for attention and resources.</a:t>
+            </a:r>
+            <a:endParaRPr lang="en-US" sz="2000">
+              <a:latin typeface="Times New Roman" panose="02020603050405020304" charset="0"/>
+              <a:cs typeface="Times New Roman" panose="02020603050405020304" charset="0"/>
+            </a:endParaRPr>
           </a:p>
         </p:txBody>
       </p:sp>
@@ -5305,153 +5556,44 @@
             <p:ph type="title"/>
           </p:nvPr>
         </p:nvSpPr>
+        <p:spPr/>
+        <p:txBody>
+          <a:bodyPr/>
+          <a:p>
+            <a:r>
+              <a:rPr lang="en-US"/>
+              <a:t>Insert data to MYSQL</a:t>
+            </a:r>
+            <a:endParaRPr lang="en-US"/>
+          </a:p>
+        </p:txBody>
+      </p:sp>
+      <p:pic>
+        <p:nvPicPr>
+          <p:cNvPr id="4" name="Content Placeholder 3"/>
+          <p:cNvPicPr>
+            <a:picLocks noChangeAspect="1"/>
+          </p:cNvPicPr>
+          <p:nvPr>
+            <p:ph idx="1"/>
+          </p:nvPr>
+        </p:nvPicPr>
+        <p:blipFill>
+          <a:blip r:embed="rId1"/>
+          <a:stretch>
+            <a:fillRect/>
+          </a:stretch>
+        </p:blipFill>
         <p:spPr>
           <a:xfrm>
-            <a:off x="647700" y="0"/>
-            <a:ext cx="10515600" cy="1325563"/>
+            <a:off x="870585" y="1174750"/>
+            <a:ext cx="9627235" cy="5261610"/>
           </a:xfrm>
+          <a:prstGeom prst="rect">
+            <a:avLst/>
+          </a:prstGeom>
         </p:spPr>
-        <p:txBody>
-          <a:bodyPr/>
-          <a:p>
-            <a:r>
-              <a:rPr lang="en-US"/>
-              <a:t>Conclusion</a:t>
-            </a:r>
-            <a:endParaRPr lang="en-US"/>
-          </a:p>
-        </p:txBody>
-      </p:sp>
-      <p:sp>
-        <p:nvSpPr>
-          <p:cNvPr id="3" name="Content Placeholder 2"/>
-          <p:cNvSpPr>
-            <a:spLocks noGrp="1"/>
-          </p:cNvSpPr>
-          <p:nvPr>
-            <p:ph idx="1"/>
-          </p:nvPr>
-        </p:nvSpPr>
-        <p:spPr>
-          <a:xfrm>
-            <a:off x="647700" y="1108075"/>
-            <a:ext cx="10515600" cy="4351338"/>
-          </a:xfrm>
-        </p:spPr>
-        <p:txBody>
-          <a:bodyPr>
-            <a:noAutofit/>
-          </a:bodyPr>
-          <a:p>
-            <a:pPr marL="0" indent="0">
-              <a:buNone/>
-            </a:pPr>
-            <a:r>
-              <a:rPr lang="en-US" sz="2400" b="1">
-                <a:sym typeface="+mn-ea"/>
-              </a:rPr>
-              <a:t>User Interaction:</a:t>
-            </a:r>
-            <a:endParaRPr lang="en-US" sz="2400" b="1"/>
-          </a:p>
-          <a:p>
-            <a:pPr marL="0" indent="0">
-              <a:buNone/>
-            </a:pPr>
-            <a:r>
-              <a:rPr lang="en-US" sz="2400">
-                <a:sym typeface="+mn-ea"/>
-              </a:rPr>
-              <a:t>Enables users to perform user-defined SELECT queries interactively.</a:t>
-            </a:r>
-            <a:endParaRPr lang="en-US" sz="2400"/>
-          </a:p>
-          <a:p>
-            <a:pPr marL="0" indent="0">
-              <a:buNone/>
-            </a:pPr>
-            <a:r>
-              <a:rPr lang="en-US" sz="2400">
-                <a:sym typeface="+mn-ea"/>
-              </a:rPr>
-              <a:t>Enhances flexibility in retrieving specific information from the populated tables.</a:t>
-            </a:r>
-            <a:endParaRPr lang="en-US" sz="2400"/>
-          </a:p>
-          <a:p>
-            <a:pPr marL="0" indent="0">
-              <a:buNone/>
-            </a:pPr>
-            <a:r>
-              <a:rPr lang="en-US" sz="2400" b="1">
-                <a:sym typeface="+mn-ea"/>
-              </a:rPr>
-              <a:t>Future Development:</a:t>
-            </a:r>
-            <a:endParaRPr lang="en-US" sz="2400" b="1"/>
-          </a:p>
-          <a:p>
-            <a:pPr marL="0" indent="0">
-              <a:buNone/>
-            </a:pPr>
-            <a:r>
-              <a:rPr lang="en-US" sz="2400">
-                <a:sym typeface="+mn-ea"/>
-              </a:rPr>
-              <a:t>Lays the foundation for further development and analysis in the realm of healthcare data.</a:t>
-            </a:r>
-            <a:endParaRPr lang="en-US" sz="2400"/>
-          </a:p>
-          <a:p>
-            <a:pPr marL="0" indent="0">
-              <a:buNone/>
-            </a:pPr>
-            <a:r>
-              <a:rPr lang="en-US" sz="2400">
-                <a:sym typeface="+mn-ea"/>
-              </a:rPr>
-              <a:t>Potential for expanding functionalities, integrating additional datasets, and supporting more complex queries.</a:t>
-            </a:r>
-            <a:endParaRPr lang="en-US" sz="2400"/>
-          </a:p>
-          <a:p>
-            <a:pPr marL="0" indent="0">
-              <a:buNone/>
-            </a:pPr>
-            <a:r>
-              <a:rPr lang="en-US" sz="2400" b="1">
-                <a:sym typeface="+mn-ea"/>
-              </a:rPr>
-              <a:t>Overall Impact:</a:t>
-            </a:r>
-            <a:endParaRPr lang="en-US" sz="2400" b="1"/>
-          </a:p>
-          <a:p>
-            <a:pPr marL="0" indent="0">
-              <a:buNone/>
-            </a:pPr>
-            <a:r>
-              <a:rPr lang="en-US" sz="2400">
-                <a:sym typeface="+mn-ea"/>
-              </a:rPr>
-              <a:t>Combines data management, database creation, and user interaction to create a robust foundation.</a:t>
-            </a:r>
-            <a:endParaRPr lang="en-US" sz="2400"/>
-          </a:p>
-          <a:p>
-            <a:pPr marL="0" indent="0">
-              <a:buNone/>
-            </a:pPr>
-            <a:r>
-              <a:rPr lang="en-US" sz="2400">
-                <a:sym typeface="+mn-ea"/>
-              </a:rPr>
-              <a:t>Contributes to the efficient handling and analysis of healthcare workforce data.</a:t>
-            </a:r>
-            <a:endParaRPr lang="en-US" sz="2400"/>
-          </a:p>
-        </p:txBody>
-      </p:sp>
+      </p:pic>
     </p:spTree>
   </p:cSld>
   <p:clrMapOvr>
@@ -5480,32 +5622,37 @@
             <p:ph type="title"/>
           </p:nvPr>
         </p:nvSpPr>
-        <p:spPr/>
-        <p:txBody>
-          <a:bodyPr/>
-          <a:p>
-            <a:r>
-              <a:rPr lang="en-US"/>
-              <a:t>Conclusion</a:t>
-            </a:r>
-            <a:endParaRPr lang="en-US"/>
-          </a:p>
-        </p:txBody>
-      </p:sp>
-      <p:sp>
-        <p:nvSpPr>
-          <p:cNvPr id="3" name="Content Placeholder 2"/>
-          <p:cNvSpPr>
-            <a:spLocks noGrp="1"/>
-          </p:cNvSpPr>
-          <p:nvPr>
-            <p:ph idx="1"/>
-          </p:nvPr>
-        </p:nvSpPr>
         <p:spPr>
           <a:xfrm>
-            <a:off x="647700" y="1253490"/>
-            <a:ext cx="10515600" cy="4351338"/>
+            <a:off x="647700" y="258445"/>
+            <a:ext cx="10515600" cy="908685"/>
+          </a:xfrm>
+        </p:spPr>
+        <p:txBody>
+          <a:bodyPr/>
+          <a:p>
+            <a:r>
+              <a:rPr lang="en-US"/>
+              <a:t>Database Initialization and Data Insertion</a:t>
+            </a:r>
+            <a:endParaRPr lang="en-US"/>
+          </a:p>
+        </p:txBody>
+      </p:sp>
+      <p:sp>
+        <p:nvSpPr>
+          <p:cNvPr id="3" name="Content Placeholder 2"/>
+          <p:cNvSpPr>
+            <a:spLocks noGrp="1"/>
+          </p:cNvSpPr>
+          <p:nvPr>
+            <p:ph idx="1"/>
+          </p:nvPr>
+        </p:nvSpPr>
+        <p:spPr>
+          <a:xfrm>
+            <a:off x="647700" y="1252855"/>
+            <a:ext cx="10515600" cy="5222240"/>
           </a:xfrm>
         </p:spPr>
         <p:txBody>
@@ -5513,93 +5660,281 @@
             <a:noAutofit/>
           </a:bodyPr>
           <a:p>
-            <a:pPr marL="0" indent="0">
+            <a:pPr marL="0" indent="0" algn="just">
               <a:buNone/>
             </a:pPr>
             <a:r>
-              <a:rPr lang="en-US" sz="2400" b="1"/>
-              <a:t>Project Highlights:</a:t>
-            </a:r>
-            <a:endParaRPr lang="en-US" sz="2400" b="1"/>
-          </a:p>
-          <a:p>
-            <a:pPr marL="0" indent="0">
+              <a:rPr lang="en-US" sz="1800" b="1">
+                <a:latin typeface="Times New Roman" panose="02020603050405020304" charset="0"/>
+                <a:cs typeface="Times New Roman" panose="02020603050405020304" charset="0"/>
+              </a:rPr>
+              <a:t>Database Connection:</a:t>
+            </a:r>
+            <a:endParaRPr lang="en-US" sz="1800" b="1">
+              <a:latin typeface="Times New Roman" panose="02020603050405020304" charset="0"/>
+              <a:cs typeface="Times New Roman" panose="02020603050405020304" charset="0"/>
+            </a:endParaRPr>
+          </a:p>
+          <a:p>
+            <a:pPr marL="0" indent="0" algn="just">
               <a:buNone/>
             </a:pPr>
             <a:r>
-              <a:rPr lang="en-US" sz="2400"/>
-              <a:t>Successfully leverages Python and MySQL to initialize and populate a database with four tables.</a:t>
-            </a:r>
-            <a:endParaRPr lang="en-US" sz="2400"/>
-          </a:p>
-          <a:p>
-            <a:pPr marL="0" indent="0">
+              <a:rPr lang="en-US" sz="1800">
+                <a:latin typeface="Times New Roman" panose="02020603050405020304" charset="0"/>
+                <a:cs typeface="Times New Roman" panose="02020603050405020304" charset="0"/>
+              </a:rPr>
+              <a:t>Attempts to connect to a MySQL database using provided host, user, password, and database information.</a:t>
+            </a:r>
+            <a:endParaRPr lang="en-US" sz="1800">
+              <a:latin typeface="Times New Roman" panose="02020603050405020304" charset="0"/>
+              <a:cs typeface="Times New Roman" panose="02020603050405020304" charset="0"/>
+            </a:endParaRPr>
+          </a:p>
+          <a:p>
+            <a:pPr marL="0" indent="0" algn="just">
               <a:buNone/>
             </a:pPr>
             <a:r>
-              <a:rPr lang="en-US" sz="2400"/>
-              <a:t>Utilizes the pandas library for efficient dataset handling.</a:t>
-            </a:r>
-            <a:endParaRPr lang="en-US" sz="2400"/>
-          </a:p>
-          <a:p>
-            <a:pPr marL="0" indent="0">
+              <a:rPr lang="en-US" sz="1800" b="1">
+                <a:latin typeface="Times New Roman" panose="02020603050405020304" charset="0"/>
+                <a:cs typeface="Times New Roman" panose="02020603050405020304" charset="0"/>
+              </a:rPr>
+              <a:t>Table Creation and Data Insertion:</a:t>
+            </a:r>
+            <a:endParaRPr lang="en-US" sz="1800" b="1">
+              <a:latin typeface="Times New Roman" panose="02020603050405020304" charset="0"/>
+              <a:cs typeface="Times New Roman" panose="02020603050405020304" charset="0"/>
+            </a:endParaRPr>
+          </a:p>
+          <a:p>
+            <a:pPr marL="0" indent="0" algn="just">
               <a:buNone/>
             </a:pPr>
             <a:r>
-              <a:rPr lang="en-US" sz="2400"/>
-              <a:t>Dynamically generates SQL queries for table creation and data insertion.</a:t>
-            </a:r>
-            <a:endParaRPr lang="en-US" sz="2400"/>
-          </a:p>
-          <a:p>
-            <a:pPr marL="0" indent="0">
+              <a:rPr lang="en-US" sz="1800">
+                <a:latin typeface="Times New Roman" panose="02020603050405020304" charset="0"/>
+                <a:cs typeface="Times New Roman" panose="02020603050405020304" charset="0"/>
+              </a:rPr>
+              <a:t>Defines four datasets, each representing a table (hpsa_primary_care, hpsa_mental_health, hpsa_dental_health, hpsa_mua).</a:t>
+            </a:r>
+            <a:endParaRPr lang="en-US" sz="1800">
+              <a:latin typeface="Times New Roman" panose="02020603050405020304" charset="0"/>
+              <a:cs typeface="Times New Roman" panose="02020603050405020304" charset="0"/>
+            </a:endParaRPr>
+          </a:p>
+          <a:p>
+            <a:pPr marL="0" indent="0" algn="just">
               <a:buNone/>
             </a:pPr>
             <a:r>
-              <a:rPr lang="en-US" sz="2400"/>
-              <a:t>Ensures proper error handling and connection closure.</a:t>
-            </a:r>
-            <a:endParaRPr lang="en-US" sz="2400"/>
-          </a:p>
-          <a:p>
-            <a:pPr marL="0" indent="0">
+              <a:rPr lang="en-US" sz="1800">
+                <a:latin typeface="Times New Roman" panose="02020603050405020304" charset="0"/>
+                <a:cs typeface="Times New Roman" panose="02020603050405020304" charset="0"/>
+              </a:rPr>
+              <a:t>Dynamically generates CREATE TABLE queries based on column names and types.</a:t>
+            </a:r>
+            <a:endParaRPr lang="en-US" sz="1800">
+              <a:latin typeface="Times New Roman" panose="02020603050405020304" charset="0"/>
+              <a:cs typeface="Times New Roman" panose="02020603050405020304" charset="0"/>
+            </a:endParaRPr>
+          </a:p>
+          <a:p>
+            <a:pPr marL="0" indent="0" algn="just">
               <a:buNone/>
             </a:pPr>
             <a:r>
-              <a:rPr lang="en-US" sz="2400" b="1"/>
-              <a:t>Structured Database:</a:t>
-            </a:r>
-            <a:endParaRPr lang="en-US" sz="2400" b="1"/>
-          </a:p>
-          <a:p>
-            <a:pPr marL="0" indent="0">
+              <a:rPr lang="en-US" sz="1800">
+                <a:latin typeface="Times New Roman" panose="02020603050405020304" charset="0"/>
+                <a:cs typeface="Times New Roman" panose="02020603050405020304" charset="0"/>
+              </a:rPr>
+              <a:t>Executes CREATE TABLE queries to create tables in the MySQL database.</a:t>
+            </a:r>
+            <a:endParaRPr lang="en-US" sz="1800">
+              <a:latin typeface="Times New Roman" panose="02020603050405020304" charset="0"/>
+              <a:cs typeface="Times New Roman" panose="02020603050405020304" charset="0"/>
+            </a:endParaRPr>
+          </a:p>
+          <a:p>
+            <a:pPr marL="0" indent="0" algn="just">
               <a:buNone/>
             </a:pPr>
             <a:r>
-              <a:rPr lang="en-US" sz="2400"/>
-              <a:t>Four tables: hpsa_primary_care, hpsa_mental_health, hpsa_dental_health, and hpsa_mua.</a:t>
-            </a:r>
-            <a:endParaRPr lang="en-US" sz="2400"/>
-          </a:p>
-          <a:p>
-            <a:pPr marL="0" indent="0">
+              <a:rPr lang="en-US" sz="1800">
+                <a:latin typeface="Times New Roman" panose="02020603050405020304" charset="0"/>
+                <a:cs typeface="Times New Roman" panose="02020603050405020304" charset="0"/>
+              </a:rPr>
+              <a:t>Prepares and executes INSERT queries to insert data from datasets into corresponding tables.</a:t>
+            </a:r>
+            <a:endParaRPr lang="en-US" sz="1800">
+              <a:latin typeface="Times New Roman" panose="02020603050405020304" charset="0"/>
+              <a:cs typeface="Times New Roman" panose="02020603050405020304" charset="0"/>
+            </a:endParaRPr>
+          </a:p>
+          <a:p>
+            <a:pPr marL="0" indent="0" algn="just">
               <a:buNone/>
             </a:pPr>
             <a:r>
-              <a:rPr lang="en-US" sz="2400"/>
-              <a:t>Organized data on healthcare provider shortage areas, mental health designations, dental health designations, and medically underserved areas.</a:t>
-            </a:r>
-            <a:endParaRPr lang="en-US" sz="2400"/>
-          </a:p>
-          <a:p>
-            <a:pPr marL="0" indent="0">
+              <a:rPr lang="en-US" sz="1800" b="1">
+                <a:latin typeface="Times New Roman" panose="02020603050405020304" charset="0"/>
+                <a:cs typeface="Times New Roman" panose="02020603050405020304" charset="0"/>
+              </a:rPr>
+              <a:t>Commit Changes:</a:t>
+            </a:r>
+            <a:endParaRPr lang="en-US" sz="1800" b="1">
+              <a:latin typeface="Times New Roman" panose="02020603050405020304" charset="0"/>
+              <a:cs typeface="Times New Roman" panose="02020603050405020304" charset="0"/>
+            </a:endParaRPr>
+          </a:p>
+          <a:p>
+            <a:pPr marL="0" indent="0" algn="just">
               <a:buNone/>
             </a:pPr>
-            <a:endParaRPr lang="en-US" sz="2400"/>
-          </a:p>
-        </p:txBody>
-      </p:sp>
+            <a:r>
+              <a:rPr lang="en-US" sz="1800">
+                <a:latin typeface="Times New Roman" panose="02020603050405020304" charset="0"/>
+                <a:cs typeface="Times New Roman" panose="02020603050405020304" charset="0"/>
+              </a:rPr>
+              <a:t>Commits the changes to the database for permanent effect.</a:t>
+            </a:r>
+            <a:endParaRPr lang="en-US" sz="1800">
+              <a:latin typeface="Times New Roman" panose="02020603050405020304" charset="0"/>
+              <a:cs typeface="Times New Roman" panose="02020603050405020304" charset="0"/>
+            </a:endParaRPr>
+          </a:p>
+          <a:p>
+            <a:pPr marL="0" indent="0" algn="just">
+              <a:buNone/>
+            </a:pPr>
+            <a:r>
+              <a:rPr lang="en-US" sz="1800" b="1">
+                <a:latin typeface="Times New Roman" panose="02020603050405020304" charset="0"/>
+                <a:cs typeface="Times New Roman" panose="02020603050405020304" charset="0"/>
+              </a:rPr>
+              <a:t>Error Handling:</a:t>
+            </a:r>
+            <a:endParaRPr lang="en-US" sz="1800" b="1">
+              <a:latin typeface="Times New Roman" panose="02020603050405020304" charset="0"/>
+              <a:cs typeface="Times New Roman" panose="02020603050405020304" charset="0"/>
+            </a:endParaRPr>
+          </a:p>
+          <a:p>
+            <a:pPr marL="0" indent="0" algn="just">
+              <a:buNone/>
+            </a:pPr>
+            <a:r>
+              <a:rPr lang="en-US" sz="1800">
+                <a:latin typeface="Times New Roman" panose="02020603050405020304" charset="0"/>
+                <a:cs typeface="Times New Roman" panose="02020603050405020304" charset="0"/>
+              </a:rPr>
+              <a:t>If any error occurs during the process (e.g., connection error, SQL syntax error), it prints an error message.</a:t>
+            </a:r>
+            <a:endParaRPr lang="en-US" sz="1800">
+              <a:latin typeface="Times New Roman" panose="02020603050405020304" charset="0"/>
+              <a:cs typeface="Times New Roman" panose="02020603050405020304" charset="0"/>
+            </a:endParaRPr>
+          </a:p>
+          <a:p>
+            <a:pPr marL="0" indent="0" algn="just">
+              <a:buNone/>
+            </a:pPr>
+            <a:r>
+              <a:rPr lang="en-US" sz="1800" b="1">
+                <a:latin typeface="Times New Roman" panose="02020603050405020304" charset="0"/>
+                <a:cs typeface="Times New Roman" panose="02020603050405020304" charset="0"/>
+              </a:rPr>
+              <a:t>Connection Closure:</a:t>
+            </a:r>
+            <a:endParaRPr lang="en-US" sz="1800" b="1">
+              <a:latin typeface="Times New Roman" panose="02020603050405020304" charset="0"/>
+              <a:cs typeface="Times New Roman" panose="02020603050405020304" charset="0"/>
+            </a:endParaRPr>
+          </a:p>
+          <a:p>
+            <a:pPr marL="0" indent="0" algn="just">
+              <a:buNone/>
+            </a:pPr>
+            <a:r>
+              <a:rPr lang="en-US" sz="1800">
+                <a:latin typeface="Times New Roman" panose="02020603050405020304" charset="0"/>
+                <a:cs typeface="Times New Roman" panose="02020603050405020304" charset="0"/>
+              </a:rPr>
+              <a:t>Closes the cursor and the database connection, ensuring proper cleanup.</a:t>
+            </a:r>
+            <a:endParaRPr lang="en-US" sz="1800">
+              <a:latin typeface="Times New Roman" panose="02020603050405020304" charset="0"/>
+              <a:cs typeface="Times New Roman" panose="02020603050405020304" charset="0"/>
+            </a:endParaRPr>
+          </a:p>
+        </p:txBody>
+      </p:sp>
+    </p:spTree>
+  </p:cSld>
+  <p:clrMapOvr>
+    <a:masterClrMapping/>
+  </p:clrMapOvr>
+</p:sld>
+</file>
+
+<file path=ppt/slides/slide9.xml><?xml version="1.0" encoding="utf-8"?>
+<p:sld xmlns:a="http://schemas.openxmlformats.org/drawingml/2006/main" xmlns:r="http://schemas.openxmlformats.org/officeDocument/2006/relationships" xmlns:p="http://schemas.openxmlformats.org/presentationml/2006/main">
+  <p:cSld>
+    <p:spTree>
+      <p:nvGrpSpPr>
+        <p:cNvPr id="1" name=""/>
+        <p:cNvGrpSpPr/>
+        <p:nvPr/>
+      </p:nvGrpSpPr>
+      <p:grpSpPr/>
+      <p:sp>
+        <p:nvSpPr>
+          <p:cNvPr id="2" name="Title 1"/>
+          <p:cNvSpPr>
+            <a:spLocks noGrp="1"/>
+          </p:cNvSpPr>
+          <p:nvPr>
+            <p:ph type="title"/>
+          </p:nvPr>
+        </p:nvSpPr>
+        <p:spPr/>
+        <p:txBody>
+          <a:bodyPr/>
+          <a:p>
+            <a:r>
+              <a:rPr lang="en-US"/>
+              <a:t>Stored Procedures</a:t>
+            </a:r>
+            <a:endParaRPr lang="en-US"/>
+          </a:p>
+        </p:txBody>
+      </p:sp>
+      <p:pic>
+        <p:nvPicPr>
+          <p:cNvPr id="4" name="Content Placeholder 3"/>
+          <p:cNvPicPr>
+            <a:picLocks noChangeAspect="1"/>
+          </p:cNvPicPr>
+          <p:nvPr>
+            <p:ph idx="1"/>
+          </p:nvPr>
+        </p:nvPicPr>
+        <p:blipFill>
+          <a:blip r:embed="rId1"/>
+          <a:stretch>
+            <a:fillRect/>
+          </a:stretch>
+        </p:blipFill>
+        <p:spPr>
+          <a:xfrm>
+            <a:off x="1062990" y="1174750"/>
+            <a:ext cx="9434830" cy="4953000"/>
+          </a:xfrm>
+          <a:prstGeom prst="rect">
+            <a:avLst/>
+          </a:prstGeom>
+        </p:spPr>
+      </p:pic>
     </p:spTree>
   </p:cSld>
   <p:clrMapOvr>
